--- a/poster.pptx
+++ b/poster.pptx
@@ -7,14 +7,14 @@
   <p:sldIdLst>
     <p:sldId id="256" r:id="rId2"/>
   </p:sldIdLst>
-  <p:sldSz cx="9144000" cy="6858000" type="screen4x3"/>
+  <p:sldSz cx="51206400" cy="32918400"/>
   <p:notesSz cx="6858000" cy="9144000"/>
   <p:defaultTextStyle>
     <a:defPPr>
       <a:defRPr lang="en-US"/>
     </a:defPPr>
-    <a:lvl1pPr marL="0" algn="l" defTabSz="914400" rtl="0" eaLnBrk="1" latinLnBrk="0" hangingPunct="1">
-      <a:defRPr sz="1800" kern="1200">
+    <a:lvl1pPr marL="0" algn="l" defTabSz="4492996" rtl="0" eaLnBrk="1" latinLnBrk="0" hangingPunct="1">
+      <a:defRPr sz="8800" kern="1200">
         <a:solidFill>
           <a:schemeClr val="tx1"/>
         </a:solidFill>
@@ -23,8 +23,8 @@
         <a:cs typeface="+mn-cs"/>
       </a:defRPr>
     </a:lvl1pPr>
-    <a:lvl2pPr marL="457200" algn="l" defTabSz="914400" rtl="0" eaLnBrk="1" latinLnBrk="0" hangingPunct="1">
-      <a:defRPr sz="1800" kern="1200">
+    <a:lvl2pPr marL="2246498" algn="l" defTabSz="4492996" rtl="0" eaLnBrk="1" latinLnBrk="0" hangingPunct="1">
+      <a:defRPr sz="8800" kern="1200">
         <a:solidFill>
           <a:schemeClr val="tx1"/>
         </a:solidFill>
@@ -33,8 +33,8 @@
         <a:cs typeface="+mn-cs"/>
       </a:defRPr>
     </a:lvl2pPr>
-    <a:lvl3pPr marL="914400" algn="l" defTabSz="914400" rtl="0" eaLnBrk="1" latinLnBrk="0" hangingPunct="1">
-      <a:defRPr sz="1800" kern="1200">
+    <a:lvl3pPr marL="4492996" algn="l" defTabSz="4492996" rtl="0" eaLnBrk="1" latinLnBrk="0" hangingPunct="1">
+      <a:defRPr sz="8800" kern="1200">
         <a:solidFill>
           <a:schemeClr val="tx1"/>
         </a:solidFill>
@@ -43,8 +43,8 @@
         <a:cs typeface="+mn-cs"/>
       </a:defRPr>
     </a:lvl3pPr>
-    <a:lvl4pPr marL="1371600" algn="l" defTabSz="914400" rtl="0" eaLnBrk="1" latinLnBrk="0" hangingPunct="1">
-      <a:defRPr sz="1800" kern="1200">
+    <a:lvl4pPr marL="6739496" algn="l" defTabSz="4492996" rtl="0" eaLnBrk="1" latinLnBrk="0" hangingPunct="1">
+      <a:defRPr sz="8800" kern="1200">
         <a:solidFill>
           <a:schemeClr val="tx1"/>
         </a:solidFill>
@@ -53,8 +53,8 @@
         <a:cs typeface="+mn-cs"/>
       </a:defRPr>
     </a:lvl4pPr>
-    <a:lvl5pPr marL="1828800" algn="l" defTabSz="914400" rtl="0" eaLnBrk="1" latinLnBrk="0" hangingPunct="1">
-      <a:defRPr sz="1800" kern="1200">
+    <a:lvl5pPr marL="8985994" algn="l" defTabSz="4492996" rtl="0" eaLnBrk="1" latinLnBrk="0" hangingPunct="1">
+      <a:defRPr sz="8800" kern="1200">
         <a:solidFill>
           <a:schemeClr val="tx1"/>
         </a:solidFill>
@@ -63,8 +63,8 @@
         <a:cs typeface="+mn-cs"/>
       </a:defRPr>
     </a:lvl5pPr>
-    <a:lvl6pPr marL="2286000" algn="l" defTabSz="914400" rtl="0" eaLnBrk="1" latinLnBrk="0" hangingPunct="1">
-      <a:defRPr sz="1800" kern="1200">
+    <a:lvl6pPr marL="11232494" algn="l" defTabSz="4492996" rtl="0" eaLnBrk="1" latinLnBrk="0" hangingPunct="1">
+      <a:defRPr sz="8800" kern="1200">
         <a:solidFill>
           <a:schemeClr val="tx1"/>
         </a:solidFill>
@@ -73,8 +73,8 @@
         <a:cs typeface="+mn-cs"/>
       </a:defRPr>
     </a:lvl6pPr>
-    <a:lvl7pPr marL="2743200" algn="l" defTabSz="914400" rtl="0" eaLnBrk="1" latinLnBrk="0" hangingPunct="1">
-      <a:defRPr sz="1800" kern="1200">
+    <a:lvl7pPr marL="13478992" algn="l" defTabSz="4492996" rtl="0" eaLnBrk="1" latinLnBrk="0" hangingPunct="1">
+      <a:defRPr sz="8800" kern="1200">
         <a:solidFill>
           <a:schemeClr val="tx1"/>
         </a:solidFill>
@@ -83,8 +83,8 @@
         <a:cs typeface="+mn-cs"/>
       </a:defRPr>
     </a:lvl7pPr>
-    <a:lvl8pPr marL="3200400" algn="l" defTabSz="914400" rtl="0" eaLnBrk="1" latinLnBrk="0" hangingPunct="1">
-      <a:defRPr sz="1800" kern="1200">
+    <a:lvl8pPr marL="15725490" algn="l" defTabSz="4492996" rtl="0" eaLnBrk="1" latinLnBrk="0" hangingPunct="1">
+      <a:defRPr sz="8800" kern="1200">
         <a:solidFill>
           <a:schemeClr val="tx1"/>
         </a:solidFill>
@@ -93,8 +93,8 @@
         <a:cs typeface="+mn-cs"/>
       </a:defRPr>
     </a:lvl8pPr>
-    <a:lvl9pPr marL="3657600" algn="l" defTabSz="914400" rtl="0" eaLnBrk="1" latinLnBrk="0" hangingPunct="1">
-      <a:defRPr sz="1800" kern="1200">
+    <a:lvl9pPr marL="17971990" algn="l" defTabSz="4492996" rtl="0" eaLnBrk="1" latinLnBrk="0" hangingPunct="1">
+      <a:defRPr sz="8800" kern="1200">
         <a:solidFill>
           <a:schemeClr val="tx1"/>
         </a:solidFill>
@@ -136,8 +136,8 @@
         </p:nvSpPr>
         <p:spPr>
           <a:xfrm>
-            <a:off x="685800" y="2130425"/>
-            <a:ext cx="7772400" cy="1470025"/>
+            <a:off x="3840480" y="10226041"/>
+            <a:ext cx="43525440" cy="7056122"/>
           </a:xfrm>
         </p:spPr>
         <p:txBody>
@@ -164,8 +164,8 @@
         </p:nvSpPr>
         <p:spPr>
           <a:xfrm>
-            <a:off x="1371600" y="3886200"/>
-            <a:ext cx="6400800" cy="1752600"/>
+            <a:off x="7680960" y="18653760"/>
+            <a:ext cx="35844480" cy="8412480"/>
           </a:xfrm>
         </p:spPr>
         <p:txBody>
@@ -181,7 +181,7 @@
                 </a:solidFill>
               </a:defRPr>
             </a:lvl1pPr>
-            <a:lvl2pPr marL="457200" indent="0" algn="ctr">
+            <a:lvl2pPr marL="2246498" indent="0" algn="ctr">
               <a:buNone/>
               <a:defRPr>
                 <a:solidFill>
@@ -191,7 +191,7 @@
                 </a:solidFill>
               </a:defRPr>
             </a:lvl2pPr>
-            <a:lvl3pPr marL="914400" indent="0" algn="ctr">
+            <a:lvl3pPr marL="4492996" indent="0" algn="ctr">
               <a:buNone/>
               <a:defRPr>
                 <a:solidFill>
@@ -201,7 +201,7 @@
                 </a:solidFill>
               </a:defRPr>
             </a:lvl3pPr>
-            <a:lvl4pPr marL="1371600" indent="0" algn="ctr">
+            <a:lvl4pPr marL="6739496" indent="0" algn="ctr">
               <a:buNone/>
               <a:defRPr>
                 <a:solidFill>
@@ -211,7 +211,7 @@
                 </a:solidFill>
               </a:defRPr>
             </a:lvl4pPr>
-            <a:lvl5pPr marL="1828800" indent="0" algn="ctr">
+            <a:lvl5pPr marL="8985994" indent="0" algn="ctr">
               <a:buNone/>
               <a:defRPr>
                 <a:solidFill>
@@ -221,7 +221,7 @@
                 </a:solidFill>
               </a:defRPr>
             </a:lvl5pPr>
-            <a:lvl6pPr marL="2286000" indent="0" algn="ctr">
+            <a:lvl6pPr marL="11232494" indent="0" algn="ctr">
               <a:buNone/>
               <a:defRPr>
                 <a:solidFill>
@@ -231,7 +231,7 @@
                 </a:solidFill>
               </a:defRPr>
             </a:lvl6pPr>
-            <a:lvl7pPr marL="2743200" indent="0" algn="ctr">
+            <a:lvl7pPr marL="13478992" indent="0" algn="ctr">
               <a:buNone/>
               <a:defRPr>
                 <a:solidFill>
@@ -241,7 +241,7 @@
                 </a:solidFill>
               </a:defRPr>
             </a:lvl7pPr>
-            <a:lvl8pPr marL="3200400" indent="0" algn="ctr">
+            <a:lvl8pPr marL="15725490" indent="0" algn="ctr">
               <a:buNone/>
               <a:defRPr>
                 <a:solidFill>
@@ -251,7 +251,7 @@
                 </a:solidFill>
               </a:defRPr>
             </a:lvl8pPr>
-            <a:lvl9pPr marL="3657600" indent="0" algn="ctr">
+            <a:lvl9pPr marL="17971990" indent="0" algn="ctr">
               <a:buNone/>
               <a:defRPr>
                 <a:solidFill>
@@ -548,8 +548,8 @@
         </p:nvSpPr>
         <p:spPr>
           <a:xfrm>
-            <a:off x="6629400" y="274638"/>
-            <a:ext cx="2057400" cy="5851525"/>
+            <a:off x="37124640" y="1318266"/>
+            <a:ext cx="11521440" cy="28087322"/>
           </a:xfrm>
         </p:spPr>
         <p:txBody>
@@ -576,8 +576,8 @@
         </p:nvSpPr>
         <p:spPr>
           <a:xfrm>
-            <a:off x="457200" y="274638"/>
-            <a:ext cx="6019800" cy="5851525"/>
+            <a:off x="2560320" y="1318266"/>
+            <a:ext cx="33710880" cy="28087322"/>
           </a:xfrm>
         </p:spPr>
         <p:txBody>
@@ -898,15 +898,15 @@
         </p:nvSpPr>
         <p:spPr>
           <a:xfrm>
-            <a:off x="722313" y="4406900"/>
-            <a:ext cx="7772400" cy="1362075"/>
+            <a:off x="4044953" y="21153125"/>
+            <a:ext cx="43525440" cy="6537960"/>
           </a:xfrm>
         </p:spPr>
         <p:txBody>
           <a:bodyPr anchor="t"/>
           <a:lstStyle>
             <a:lvl1pPr algn="l">
-              <a:defRPr sz="4000" b="1" cap="all"/>
+              <a:defRPr sz="19700" b="1" cap="all"/>
             </a:lvl1pPr>
           </a:lstStyle>
           <a:p>
@@ -930,8 +930,8 @@
         </p:nvSpPr>
         <p:spPr>
           <a:xfrm>
-            <a:off x="722313" y="2906713"/>
-            <a:ext cx="7772400" cy="1500187"/>
+            <a:off x="4044953" y="13952228"/>
+            <a:ext cx="43525440" cy="7200900"/>
           </a:xfrm>
         </p:spPr>
         <p:txBody>
@@ -939,7 +939,7 @@
           <a:lstStyle>
             <a:lvl1pPr marL="0" indent="0">
               <a:buNone/>
-              <a:defRPr sz="2000">
+              <a:defRPr sz="9900">
                 <a:solidFill>
                   <a:schemeClr val="tx1">
                     <a:tint val="75000"/>
@@ -947,9 +947,9 @@
                 </a:solidFill>
               </a:defRPr>
             </a:lvl1pPr>
-            <a:lvl2pPr marL="457200" indent="0">
-              <a:buNone/>
-              <a:defRPr sz="1800">
+            <a:lvl2pPr marL="2246498" indent="0">
+              <a:buNone/>
+              <a:defRPr sz="8800">
                 <a:solidFill>
                   <a:schemeClr val="tx1">
                     <a:tint val="75000"/>
@@ -957,9 +957,9 @@
                 </a:solidFill>
               </a:defRPr>
             </a:lvl2pPr>
-            <a:lvl3pPr marL="914400" indent="0">
-              <a:buNone/>
-              <a:defRPr sz="1600">
+            <a:lvl3pPr marL="4492996" indent="0">
+              <a:buNone/>
+              <a:defRPr sz="8000">
                 <a:solidFill>
                   <a:schemeClr val="tx1">
                     <a:tint val="75000"/>
@@ -967,9 +967,9 @@
                 </a:solidFill>
               </a:defRPr>
             </a:lvl3pPr>
-            <a:lvl4pPr marL="1371600" indent="0">
-              <a:buNone/>
-              <a:defRPr sz="1400">
+            <a:lvl4pPr marL="6739496" indent="0">
+              <a:buNone/>
+              <a:defRPr sz="6900">
                 <a:solidFill>
                   <a:schemeClr val="tx1">
                     <a:tint val="75000"/>
@@ -977,9 +977,9 @@
                 </a:solidFill>
               </a:defRPr>
             </a:lvl4pPr>
-            <a:lvl5pPr marL="1828800" indent="0">
-              <a:buNone/>
-              <a:defRPr sz="1400">
+            <a:lvl5pPr marL="8985994" indent="0">
+              <a:buNone/>
+              <a:defRPr sz="6900">
                 <a:solidFill>
                   <a:schemeClr val="tx1">
                     <a:tint val="75000"/>
@@ -987,9 +987,9 @@
                 </a:solidFill>
               </a:defRPr>
             </a:lvl5pPr>
-            <a:lvl6pPr marL="2286000" indent="0">
-              <a:buNone/>
-              <a:defRPr sz="1400">
+            <a:lvl6pPr marL="11232494" indent="0">
+              <a:buNone/>
+              <a:defRPr sz="6900">
                 <a:solidFill>
                   <a:schemeClr val="tx1">
                     <a:tint val="75000"/>
@@ -997,9 +997,9 @@
                 </a:solidFill>
               </a:defRPr>
             </a:lvl6pPr>
-            <a:lvl7pPr marL="2743200" indent="0">
-              <a:buNone/>
-              <a:defRPr sz="1400">
+            <a:lvl7pPr marL="13478992" indent="0">
+              <a:buNone/>
+              <a:defRPr sz="6900">
                 <a:solidFill>
                   <a:schemeClr val="tx1">
                     <a:tint val="75000"/>
@@ -1007,9 +1007,9 @@
                 </a:solidFill>
               </a:defRPr>
             </a:lvl7pPr>
-            <a:lvl8pPr marL="3200400" indent="0">
-              <a:buNone/>
-              <a:defRPr sz="1400">
+            <a:lvl8pPr marL="15725490" indent="0">
+              <a:buNone/>
+              <a:defRPr sz="6900">
                 <a:solidFill>
                   <a:schemeClr val="tx1">
                     <a:tint val="75000"/>
@@ -1017,9 +1017,9 @@
                 </a:solidFill>
               </a:defRPr>
             </a:lvl8pPr>
-            <a:lvl9pPr marL="3657600" indent="0">
-              <a:buNone/>
-              <a:defRPr sz="1400">
+            <a:lvl9pPr marL="17971990" indent="0">
+              <a:buNone/>
+              <a:defRPr sz="6900">
                 <a:solidFill>
                   <a:schemeClr val="tx1">
                     <a:tint val="75000"/>
@@ -1167,39 +1167,39 @@
         </p:nvSpPr>
         <p:spPr>
           <a:xfrm>
-            <a:off x="457200" y="1600200"/>
-            <a:ext cx="4038600" cy="4525963"/>
+            <a:off x="2560320" y="7680965"/>
+            <a:ext cx="22616160" cy="21724625"/>
           </a:xfrm>
         </p:spPr>
         <p:txBody>
           <a:bodyPr/>
           <a:lstStyle>
             <a:lvl1pPr>
-              <a:defRPr sz="2800"/>
+              <a:defRPr sz="13800"/>
             </a:lvl1pPr>
             <a:lvl2pPr>
-              <a:defRPr sz="2400"/>
+              <a:defRPr sz="11700"/>
             </a:lvl2pPr>
             <a:lvl3pPr>
-              <a:defRPr sz="2000"/>
+              <a:defRPr sz="9900"/>
             </a:lvl3pPr>
             <a:lvl4pPr>
-              <a:defRPr sz="1800"/>
+              <a:defRPr sz="8800"/>
             </a:lvl4pPr>
             <a:lvl5pPr>
-              <a:defRPr sz="1800"/>
+              <a:defRPr sz="8800"/>
             </a:lvl5pPr>
             <a:lvl6pPr>
-              <a:defRPr sz="1800"/>
+              <a:defRPr sz="8800"/>
             </a:lvl6pPr>
             <a:lvl7pPr>
-              <a:defRPr sz="1800"/>
+              <a:defRPr sz="8800"/>
             </a:lvl7pPr>
             <a:lvl8pPr>
-              <a:defRPr sz="1800"/>
+              <a:defRPr sz="8800"/>
             </a:lvl8pPr>
             <a:lvl9pPr>
-              <a:defRPr sz="1800"/>
+              <a:defRPr sz="8800"/>
             </a:lvl9pPr>
           </a:lstStyle>
           <a:p>
@@ -1252,39 +1252,39 @@
         </p:nvSpPr>
         <p:spPr>
           <a:xfrm>
-            <a:off x="4648200" y="1600200"/>
-            <a:ext cx="4038600" cy="4525963"/>
+            <a:off x="26029920" y="7680965"/>
+            <a:ext cx="22616160" cy="21724625"/>
           </a:xfrm>
         </p:spPr>
         <p:txBody>
           <a:bodyPr/>
           <a:lstStyle>
             <a:lvl1pPr>
-              <a:defRPr sz="2800"/>
+              <a:defRPr sz="13800"/>
             </a:lvl1pPr>
             <a:lvl2pPr>
-              <a:defRPr sz="2400"/>
+              <a:defRPr sz="11700"/>
             </a:lvl2pPr>
             <a:lvl3pPr>
-              <a:defRPr sz="2000"/>
+              <a:defRPr sz="9900"/>
             </a:lvl3pPr>
             <a:lvl4pPr>
-              <a:defRPr sz="1800"/>
+              <a:defRPr sz="8800"/>
             </a:lvl4pPr>
             <a:lvl5pPr>
-              <a:defRPr sz="1800"/>
+              <a:defRPr sz="8800"/>
             </a:lvl5pPr>
             <a:lvl6pPr>
-              <a:defRPr sz="1800"/>
+              <a:defRPr sz="8800"/>
             </a:lvl6pPr>
             <a:lvl7pPr>
-              <a:defRPr sz="1800"/>
+              <a:defRPr sz="8800"/>
             </a:lvl7pPr>
             <a:lvl8pPr>
-              <a:defRPr sz="1800"/>
+              <a:defRPr sz="8800"/>
             </a:lvl8pPr>
             <a:lvl9pPr>
-              <a:defRPr sz="1800"/>
+              <a:defRPr sz="8800"/>
             </a:lvl9pPr>
           </a:lstStyle>
           <a:p>
@@ -1459,8 +1459,8 @@
         </p:nvSpPr>
         <p:spPr>
           <a:xfrm>
-            <a:off x="457200" y="1535113"/>
-            <a:ext cx="4040188" cy="639762"/>
+            <a:off x="2560321" y="7368545"/>
+            <a:ext cx="22625053" cy="3070858"/>
           </a:xfrm>
         </p:spPr>
         <p:txBody>
@@ -1468,39 +1468,39 @@
           <a:lstStyle>
             <a:lvl1pPr marL="0" indent="0">
               <a:buNone/>
-              <a:defRPr sz="2400" b="1"/>
+              <a:defRPr sz="11700" b="1"/>
             </a:lvl1pPr>
-            <a:lvl2pPr marL="457200" indent="0">
-              <a:buNone/>
-              <a:defRPr sz="2000" b="1"/>
+            <a:lvl2pPr marL="2246498" indent="0">
+              <a:buNone/>
+              <a:defRPr sz="9900" b="1"/>
             </a:lvl2pPr>
-            <a:lvl3pPr marL="914400" indent="0">
-              <a:buNone/>
-              <a:defRPr sz="1800" b="1"/>
+            <a:lvl3pPr marL="4492996" indent="0">
+              <a:buNone/>
+              <a:defRPr sz="8800" b="1"/>
             </a:lvl3pPr>
-            <a:lvl4pPr marL="1371600" indent="0">
-              <a:buNone/>
-              <a:defRPr sz="1600" b="1"/>
+            <a:lvl4pPr marL="6739496" indent="0">
+              <a:buNone/>
+              <a:defRPr sz="8000" b="1"/>
             </a:lvl4pPr>
-            <a:lvl5pPr marL="1828800" indent="0">
-              <a:buNone/>
-              <a:defRPr sz="1600" b="1"/>
+            <a:lvl5pPr marL="8985994" indent="0">
+              <a:buNone/>
+              <a:defRPr sz="8000" b="1"/>
             </a:lvl5pPr>
-            <a:lvl6pPr marL="2286000" indent="0">
-              <a:buNone/>
-              <a:defRPr sz="1600" b="1"/>
+            <a:lvl6pPr marL="11232494" indent="0">
+              <a:buNone/>
+              <a:defRPr sz="8000" b="1"/>
             </a:lvl6pPr>
-            <a:lvl7pPr marL="2743200" indent="0">
-              <a:buNone/>
-              <a:defRPr sz="1600" b="1"/>
+            <a:lvl7pPr marL="13478992" indent="0">
+              <a:buNone/>
+              <a:defRPr sz="8000" b="1"/>
             </a:lvl7pPr>
-            <a:lvl8pPr marL="3200400" indent="0">
-              <a:buNone/>
-              <a:defRPr sz="1600" b="1"/>
+            <a:lvl8pPr marL="15725490" indent="0">
+              <a:buNone/>
+              <a:defRPr sz="8000" b="1"/>
             </a:lvl8pPr>
-            <a:lvl9pPr marL="3657600" indent="0">
-              <a:buNone/>
-              <a:defRPr sz="1600" b="1"/>
+            <a:lvl9pPr marL="17971990" indent="0">
+              <a:buNone/>
+              <a:defRPr sz="8000" b="1"/>
             </a:lvl9pPr>
           </a:lstStyle>
           <a:p>
@@ -1524,39 +1524,39 @@
         </p:nvSpPr>
         <p:spPr>
           <a:xfrm>
-            <a:off x="457200" y="2174875"/>
-            <a:ext cx="4040188" cy="3951288"/>
+            <a:off x="2560321" y="10439403"/>
+            <a:ext cx="22625053" cy="18966182"/>
           </a:xfrm>
         </p:spPr>
         <p:txBody>
           <a:bodyPr/>
           <a:lstStyle>
             <a:lvl1pPr>
-              <a:defRPr sz="2400"/>
+              <a:defRPr sz="11700"/>
             </a:lvl1pPr>
             <a:lvl2pPr>
-              <a:defRPr sz="2000"/>
+              <a:defRPr sz="9900"/>
             </a:lvl2pPr>
             <a:lvl3pPr>
-              <a:defRPr sz="1800"/>
+              <a:defRPr sz="8800"/>
             </a:lvl3pPr>
             <a:lvl4pPr>
-              <a:defRPr sz="1600"/>
+              <a:defRPr sz="8000"/>
             </a:lvl4pPr>
             <a:lvl5pPr>
-              <a:defRPr sz="1600"/>
+              <a:defRPr sz="8000"/>
             </a:lvl5pPr>
             <a:lvl6pPr>
-              <a:defRPr sz="1600"/>
+              <a:defRPr sz="8000"/>
             </a:lvl6pPr>
             <a:lvl7pPr>
-              <a:defRPr sz="1600"/>
+              <a:defRPr sz="8000"/>
             </a:lvl7pPr>
             <a:lvl8pPr>
-              <a:defRPr sz="1600"/>
+              <a:defRPr sz="8000"/>
             </a:lvl8pPr>
             <a:lvl9pPr>
-              <a:defRPr sz="1600"/>
+              <a:defRPr sz="8000"/>
             </a:lvl9pPr>
           </a:lstStyle>
           <a:p>
@@ -1609,8 +1609,8 @@
         </p:nvSpPr>
         <p:spPr>
           <a:xfrm>
-            <a:off x="4645025" y="1535113"/>
-            <a:ext cx="4041775" cy="639762"/>
+            <a:off x="26012145" y="7368545"/>
+            <a:ext cx="22633940" cy="3070858"/>
           </a:xfrm>
         </p:spPr>
         <p:txBody>
@@ -1618,39 +1618,39 @@
           <a:lstStyle>
             <a:lvl1pPr marL="0" indent="0">
               <a:buNone/>
-              <a:defRPr sz="2400" b="1"/>
+              <a:defRPr sz="11700" b="1"/>
             </a:lvl1pPr>
-            <a:lvl2pPr marL="457200" indent="0">
-              <a:buNone/>
-              <a:defRPr sz="2000" b="1"/>
+            <a:lvl2pPr marL="2246498" indent="0">
+              <a:buNone/>
+              <a:defRPr sz="9900" b="1"/>
             </a:lvl2pPr>
-            <a:lvl3pPr marL="914400" indent="0">
-              <a:buNone/>
-              <a:defRPr sz="1800" b="1"/>
+            <a:lvl3pPr marL="4492996" indent="0">
+              <a:buNone/>
+              <a:defRPr sz="8800" b="1"/>
             </a:lvl3pPr>
-            <a:lvl4pPr marL="1371600" indent="0">
-              <a:buNone/>
-              <a:defRPr sz="1600" b="1"/>
+            <a:lvl4pPr marL="6739496" indent="0">
+              <a:buNone/>
+              <a:defRPr sz="8000" b="1"/>
             </a:lvl4pPr>
-            <a:lvl5pPr marL="1828800" indent="0">
-              <a:buNone/>
-              <a:defRPr sz="1600" b="1"/>
+            <a:lvl5pPr marL="8985994" indent="0">
+              <a:buNone/>
+              <a:defRPr sz="8000" b="1"/>
             </a:lvl5pPr>
-            <a:lvl6pPr marL="2286000" indent="0">
-              <a:buNone/>
-              <a:defRPr sz="1600" b="1"/>
+            <a:lvl6pPr marL="11232494" indent="0">
+              <a:buNone/>
+              <a:defRPr sz="8000" b="1"/>
             </a:lvl6pPr>
-            <a:lvl7pPr marL="2743200" indent="0">
-              <a:buNone/>
-              <a:defRPr sz="1600" b="1"/>
+            <a:lvl7pPr marL="13478992" indent="0">
+              <a:buNone/>
+              <a:defRPr sz="8000" b="1"/>
             </a:lvl7pPr>
-            <a:lvl8pPr marL="3200400" indent="0">
-              <a:buNone/>
-              <a:defRPr sz="1600" b="1"/>
+            <a:lvl8pPr marL="15725490" indent="0">
+              <a:buNone/>
+              <a:defRPr sz="8000" b="1"/>
             </a:lvl8pPr>
-            <a:lvl9pPr marL="3657600" indent="0">
-              <a:buNone/>
-              <a:defRPr sz="1600" b="1"/>
+            <a:lvl9pPr marL="17971990" indent="0">
+              <a:buNone/>
+              <a:defRPr sz="8000" b="1"/>
             </a:lvl9pPr>
           </a:lstStyle>
           <a:p>
@@ -1674,39 +1674,39 @@
         </p:nvSpPr>
         <p:spPr>
           <a:xfrm>
-            <a:off x="4645025" y="2174875"/>
-            <a:ext cx="4041775" cy="3951288"/>
+            <a:off x="26012145" y="10439403"/>
+            <a:ext cx="22633940" cy="18966182"/>
           </a:xfrm>
         </p:spPr>
         <p:txBody>
           <a:bodyPr/>
           <a:lstStyle>
             <a:lvl1pPr>
-              <a:defRPr sz="2400"/>
+              <a:defRPr sz="11700"/>
             </a:lvl1pPr>
             <a:lvl2pPr>
-              <a:defRPr sz="2000"/>
+              <a:defRPr sz="9900"/>
             </a:lvl2pPr>
             <a:lvl3pPr>
-              <a:defRPr sz="1800"/>
+              <a:defRPr sz="8800"/>
             </a:lvl3pPr>
             <a:lvl4pPr>
-              <a:defRPr sz="1600"/>
+              <a:defRPr sz="8000"/>
             </a:lvl4pPr>
             <a:lvl5pPr>
-              <a:defRPr sz="1600"/>
+              <a:defRPr sz="8000"/>
             </a:lvl5pPr>
             <a:lvl6pPr>
-              <a:defRPr sz="1600"/>
+              <a:defRPr sz="8000"/>
             </a:lvl6pPr>
             <a:lvl7pPr>
-              <a:defRPr sz="1600"/>
+              <a:defRPr sz="8000"/>
             </a:lvl7pPr>
             <a:lvl8pPr>
-              <a:defRPr sz="1600"/>
+              <a:defRPr sz="8000"/>
             </a:lvl8pPr>
             <a:lvl9pPr>
-              <a:defRPr sz="1600"/>
+              <a:defRPr sz="8000"/>
             </a:lvl9pPr>
           </a:lstStyle>
           <a:p>
@@ -2067,15 +2067,15 @@
         </p:nvSpPr>
         <p:spPr>
           <a:xfrm>
-            <a:off x="457200" y="273050"/>
-            <a:ext cx="3008313" cy="1162050"/>
+            <a:off x="2560325" y="1310638"/>
+            <a:ext cx="16846553" cy="5577840"/>
           </a:xfrm>
         </p:spPr>
         <p:txBody>
           <a:bodyPr anchor="b"/>
           <a:lstStyle>
             <a:lvl1pPr algn="l">
-              <a:defRPr sz="2000" b="1"/>
+              <a:defRPr sz="9900" b="1"/>
             </a:lvl1pPr>
           </a:lstStyle>
           <a:p>
@@ -2099,39 +2099,39 @@
         </p:nvSpPr>
         <p:spPr>
           <a:xfrm>
-            <a:off x="3575050" y="273050"/>
-            <a:ext cx="5111750" cy="5853113"/>
+            <a:off x="20020280" y="1310648"/>
+            <a:ext cx="28625800" cy="28094940"/>
           </a:xfrm>
         </p:spPr>
         <p:txBody>
           <a:bodyPr/>
           <a:lstStyle>
             <a:lvl1pPr>
-              <a:defRPr sz="3200"/>
+              <a:defRPr sz="15700"/>
             </a:lvl1pPr>
             <a:lvl2pPr>
-              <a:defRPr sz="2800"/>
+              <a:defRPr sz="13800"/>
             </a:lvl2pPr>
             <a:lvl3pPr>
-              <a:defRPr sz="2400"/>
+              <a:defRPr sz="11700"/>
             </a:lvl3pPr>
             <a:lvl4pPr>
-              <a:defRPr sz="2000"/>
+              <a:defRPr sz="9900"/>
             </a:lvl4pPr>
             <a:lvl5pPr>
-              <a:defRPr sz="2000"/>
+              <a:defRPr sz="9900"/>
             </a:lvl5pPr>
             <a:lvl6pPr>
-              <a:defRPr sz="2000"/>
+              <a:defRPr sz="9900"/>
             </a:lvl6pPr>
             <a:lvl7pPr>
-              <a:defRPr sz="2000"/>
+              <a:defRPr sz="9900"/>
             </a:lvl7pPr>
             <a:lvl8pPr>
-              <a:defRPr sz="2000"/>
+              <a:defRPr sz="9900"/>
             </a:lvl8pPr>
             <a:lvl9pPr>
-              <a:defRPr sz="2000"/>
+              <a:defRPr sz="9900"/>
             </a:lvl9pPr>
           </a:lstStyle>
           <a:p>
@@ -2184,8 +2184,8 @@
         </p:nvSpPr>
         <p:spPr>
           <a:xfrm>
-            <a:off x="457200" y="1435100"/>
-            <a:ext cx="3008313" cy="4691063"/>
+            <a:off x="2560325" y="6888488"/>
+            <a:ext cx="16846553" cy="22517100"/>
           </a:xfrm>
         </p:spPr>
         <p:txBody>
@@ -2193,39 +2193,39 @@
           <a:lstStyle>
             <a:lvl1pPr marL="0" indent="0">
               <a:buNone/>
-              <a:defRPr sz="1400"/>
+              <a:defRPr sz="6900"/>
             </a:lvl1pPr>
-            <a:lvl2pPr marL="457200" indent="0">
-              <a:buNone/>
-              <a:defRPr sz="1200"/>
+            <a:lvl2pPr marL="2246498" indent="0">
+              <a:buNone/>
+              <a:defRPr sz="5900"/>
             </a:lvl2pPr>
-            <a:lvl3pPr marL="914400" indent="0">
-              <a:buNone/>
-              <a:defRPr sz="1000"/>
+            <a:lvl3pPr marL="4492996" indent="0">
+              <a:buNone/>
+              <a:defRPr sz="4800"/>
             </a:lvl3pPr>
-            <a:lvl4pPr marL="1371600" indent="0">
-              <a:buNone/>
-              <a:defRPr sz="900"/>
+            <a:lvl4pPr marL="6739496" indent="0">
+              <a:buNone/>
+              <a:defRPr sz="4400"/>
             </a:lvl4pPr>
-            <a:lvl5pPr marL="1828800" indent="0">
-              <a:buNone/>
-              <a:defRPr sz="900"/>
+            <a:lvl5pPr marL="8985994" indent="0">
+              <a:buNone/>
+              <a:defRPr sz="4400"/>
             </a:lvl5pPr>
-            <a:lvl6pPr marL="2286000" indent="0">
-              <a:buNone/>
-              <a:defRPr sz="900"/>
+            <a:lvl6pPr marL="11232494" indent="0">
+              <a:buNone/>
+              <a:defRPr sz="4400"/>
             </a:lvl6pPr>
-            <a:lvl7pPr marL="2743200" indent="0">
-              <a:buNone/>
-              <a:defRPr sz="900"/>
+            <a:lvl7pPr marL="13478992" indent="0">
+              <a:buNone/>
+              <a:defRPr sz="4400"/>
             </a:lvl7pPr>
-            <a:lvl8pPr marL="3200400" indent="0">
-              <a:buNone/>
-              <a:defRPr sz="900"/>
+            <a:lvl8pPr marL="15725490" indent="0">
+              <a:buNone/>
+              <a:defRPr sz="4400"/>
             </a:lvl8pPr>
-            <a:lvl9pPr marL="3657600" indent="0">
-              <a:buNone/>
-              <a:defRPr sz="900"/>
+            <a:lvl9pPr marL="17971990" indent="0">
+              <a:buNone/>
+              <a:defRPr sz="4400"/>
             </a:lvl9pPr>
           </a:lstStyle>
           <a:p>
@@ -2344,15 +2344,15 @@
         </p:nvSpPr>
         <p:spPr>
           <a:xfrm>
-            <a:off x="1792288" y="4800600"/>
-            <a:ext cx="5486400" cy="566738"/>
+            <a:off x="10036813" y="23042884"/>
+            <a:ext cx="30723840" cy="2720340"/>
           </a:xfrm>
         </p:spPr>
         <p:txBody>
           <a:bodyPr anchor="b"/>
           <a:lstStyle>
             <a:lvl1pPr algn="l">
-              <a:defRPr sz="2000" b="1"/>
+              <a:defRPr sz="9900" b="1"/>
             </a:lvl1pPr>
           </a:lstStyle>
           <a:p>
@@ -2376,8 +2376,8 @@
         </p:nvSpPr>
         <p:spPr>
           <a:xfrm>
-            <a:off x="1792288" y="612775"/>
-            <a:ext cx="5486400" cy="4114800"/>
+            <a:off x="10036813" y="2941322"/>
+            <a:ext cx="30723840" cy="19751040"/>
           </a:xfrm>
         </p:spPr>
         <p:txBody>
@@ -2385,39 +2385,39 @@
           <a:lstStyle>
             <a:lvl1pPr marL="0" indent="0">
               <a:buNone/>
-              <a:defRPr sz="3200"/>
+              <a:defRPr sz="15700"/>
             </a:lvl1pPr>
-            <a:lvl2pPr marL="457200" indent="0">
-              <a:buNone/>
-              <a:defRPr sz="2800"/>
+            <a:lvl2pPr marL="2246498" indent="0">
+              <a:buNone/>
+              <a:defRPr sz="13800"/>
             </a:lvl2pPr>
-            <a:lvl3pPr marL="914400" indent="0">
-              <a:buNone/>
-              <a:defRPr sz="2400"/>
+            <a:lvl3pPr marL="4492996" indent="0">
+              <a:buNone/>
+              <a:defRPr sz="11700"/>
             </a:lvl3pPr>
-            <a:lvl4pPr marL="1371600" indent="0">
-              <a:buNone/>
-              <a:defRPr sz="2000"/>
+            <a:lvl4pPr marL="6739496" indent="0">
+              <a:buNone/>
+              <a:defRPr sz="9900"/>
             </a:lvl4pPr>
-            <a:lvl5pPr marL="1828800" indent="0">
-              <a:buNone/>
-              <a:defRPr sz="2000"/>
+            <a:lvl5pPr marL="8985994" indent="0">
+              <a:buNone/>
+              <a:defRPr sz="9900"/>
             </a:lvl5pPr>
-            <a:lvl6pPr marL="2286000" indent="0">
-              <a:buNone/>
-              <a:defRPr sz="2000"/>
+            <a:lvl6pPr marL="11232494" indent="0">
+              <a:buNone/>
+              <a:defRPr sz="9900"/>
             </a:lvl6pPr>
-            <a:lvl7pPr marL="2743200" indent="0">
-              <a:buNone/>
-              <a:defRPr sz="2000"/>
+            <a:lvl7pPr marL="13478992" indent="0">
+              <a:buNone/>
+              <a:defRPr sz="9900"/>
             </a:lvl7pPr>
-            <a:lvl8pPr marL="3200400" indent="0">
-              <a:buNone/>
-              <a:defRPr sz="2000"/>
+            <a:lvl8pPr marL="15725490" indent="0">
+              <a:buNone/>
+              <a:defRPr sz="9900"/>
             </a:lvl8pPr>
-            <a:lvl9pPr marL="3657600" indent="0">
-              <a:buNone/>
-              <a:defRPr sz="2000"/>
+            <a:lvl9pPr marL="17971990" indent="0">
+              <a:buNone/>
+              <a:defRPr sz="9900"/>
             </a:lvl9pPr>
           </a:lstStyle>
           <a:p>
@@ -2437,8 +2437,8 @@
         </p:nvSpPr>
         <p:spPr>
           <a:xfrm>
-            <a:off x="1792288" y="5367338"/>
-            <a:ext cx="5486400" cy="804862"/>
+            <a:off x="10036813" y="25763224"/>
+            <a:ext cx="30723840" cy="3863340"/>
           </a:xfrm>
         </p:spPr>
         <p:txBody>
@@ -2446,39 +2446,39 @@
           <a:lstStyle>
             <a:lvl1pPr marL="0" indent="0">
               <a:buNone/>
-              <a:defRPr sz="1400"/>
+              <a:defRPr sz="6900"/>
             </a:lvl1pPr>
-            <a:lvl2pPr marL="457200" indent="0">
-              <a:buNone/>
-              <a:defRPr sz="1200"/>
+            <a:lvl2pPr marL="2246498" indent="0">
+              <a:buNone/>
+              <a:defRPr sz="5900"/>
             </a:lvl2pPr>
-            <a:lvl3pPr marL="914400" indent="0">
-              <a:buNone/>
-              <a:defRPr sz="1000"/>
+            <a:lvl3pPr marL="4492996" indent="0">
+              <a:buNone/>
+              <a:defRPr sz="4800"/>
             </a:lvl3pPr>
-            <a:lvl4pPr marL="1371600" indent="0">
-              <a:buNone/>
-              <a:defRPr sz="900"/>
+            <a:lvl4pPr marL="6739496" indent="0">
+              <a:buNone/>
+              <a:defRPr sz="4400"/>
             </a:lvl4pPr>
-            <a:lvl5pPr marL="1828800" indent="0">
-              <a:buNone/>
-              <a:defRPr sz="900"/>
+            <a:lvl5pPr marL="8985994" indent="0">
+              <a:buNone/>
+              <a:defRPr sz="4400"/>
             </a:lvl5pPr>
-            <a:lvl6pPr marL="2286000" indent="0">
-              <a:buNone/>
-              <a:defRPr sz="900"/>
+            <a:lvl6pPr marL="11232494" indent="0">
+              <a:buNone/>
+              <a:defRPr sz="4400"/>
             </a:lvl6pPr>
-            <a:lvl7pPr marL="2743200" indent="0">
-              <a:buNone/>
-              <a:defRPr sz="900"/>
+            <a:lvl7pPr marL="13478992" indent="0">
+              <a:buNone/>
+              <a:defRPr sz="4400"/>
             </a:lvl7pPr>
-            <a:lvl8pPr marL="3200400" indent="0">
-              <a:buNone/>
-              <a:defRPr sz="900"/>
+            <a:lvl8pPr marL="15725490" indent="0">
+              <a:buNone/>
+              <a:defRPr sz="4400"/>
             </a:lvl8pPr>
-            <a:lvl9pPr marL="3657600" indent="0">
-              <a:buNone/>
-              <a:defRPr sz="900"/>
+            <a:lvl9pPr marL="17971990" indent="0">
+              <a:buNone/>
+              <a:defRPr sz="4400"/>
             </a:lvl9pPr>
           </a:lstStyle>
           <a:p>
@@ -2602,15 +2602,15 @@
         </p:nvSpPr>
         <p:spPr>
           <a:xfrm>
-            <a:off x="457200" y="274638"/>
-            <a:ext cx="8229600" cy="1143000"/>
+            <a:off x="2560320" y="1318262"/>
+            <a:ext cx="46085760" cy="5486400"/>
           </a:xfrm>
           <a:prstGeom prst="rect">
             <a:avLst/>
           </a:prstGeom>
         </p:spPr>
         <p:txBody>
-          <a:bodyPr vert="horz" lIns="91440" tIns="45720" rIns="91440" bIns="45720" rtlCol="0" anchor="ctr">
+          <a:bodyPr vert="horz" lIns="449299" tIns="224651" rIns="449299" bIns="224651" rtlCol="0" anchor="ctr">
             <a:normAutofit/>
           </a:bodyPr>
           <a:lstStyle/>
@@ -2635,15 +2635,15 @@
         </p:nvSpPr>
         <p:spPr>
           <a:xfrm>
-            <a:off x="457200" y="1600200"/>
-            <a:ext cx="8229600" cy="4525963"/>
+            <a:off x="2560320" y="7680965"/>
+            <a:ext cx="46085760" cy="21724625"/>
           </a:xfrm>
           <a:prstGeom prst="rect">
             <a:avLst/>
           </a:prstGeom>
         </p:spPr>
         <p:txBody>
-          <a:bodyPr vert="horz" lIns="91440" tIns="45720" rIns="91440" bIns="45720" rtlCol="0">
+          <a:bodyPr vert="horz" lIns="449299" tIns="224651" rIns="449299" bIns="224651" rtlCol="0">
             <a:normAutofit/>
           </a:bodyPr>
           <a:lstStyle/>
@@ -2697,18 +2697,18 @@
         </p:nvSpPr>
         <p:spPr>
           <a:xfrm>
-            <a:off x="457200" y="6356350"/>
-            <a:ext cx="2133600" cy="365125"/>
+            <a:off x="2560320" y="30510486"/>
+            <a:ext cx="11948160" cy="1752602"/>
           </a:xfrm>
           <a:prstGeom prst="rect">
             <a:avLst/>
           </a:prstGeom>
         </p:spPr>
         <p:txBody>
-          <a:bodyPr vert="horz" lIns="91440" tIns="45720" rIns="91440" bIns="45720" rtlCol="0" anchor="ctr"/>
+          <a:bodyPr vert="horz" lIns="449299" tIns="224651" rIns="449299" bIns="224651" rtlCol="0" anchor="ctr"/>
           <a:lstStyle>
             <a:lvl1pPr algn="l">
-              <a:defRPr sz="1200">
+              <a:defRPr sz="5900">
                 <a:solidFill>
                   <a:schemeClr val="tx1">
                     <a:tint val="75000"/>
@@ -2738,18 +2738,18 @@
         </p:nvSpPr>
         <p:spPr>
           <a:xfrm>
-            <a:off x="3124200" y="6356350"/>
-            <a:ext cx="2895600" cy="365125"/>
+            <a:off x="17495520" y="30510486"/>
+            <a:ext cx="16215360" cy="1752602"/>
           </a:xfrm>
           <a:prstGeom prst="rect">
             <a:avLst/>
           </a:prstGeom>
         </p:spPr>
         <p:txBody>
-          <a:bodyPr vert="horz" lIns="91440" tIns="45720" rIns="91440" bIns="45720" rtlCol="0" anchor="ctr"/>
+          <a:bodyPr vert="horz" lIns="449299" tIns="224651" rIns="449299" bIns="224651" rtlCol="0" anchor="ctr"/>
           <a:lstStyle>
             <a:lvl1pPr algn="ctr">
-              <a:defRPr sz="1200">
+              <a:defRPr sz="5900">
                 <a:solidFill>
                   <a:schemeClr val="tx1">
                     <a:tint val="75000"/>
@@ -2775,18 +2775,18 @@
         </p:nvSpPr>
         <p:spPr>
           <a:xfrm>
-            <a:off x="6553200" y="6356350"/>
-            <a:ext cx="2133600" cy="365125"/>
+            <a:off x="36697920" y="30510486"/>
+            <a:ext cx="11948160" cy="1752602"/>
           </a:xfrm>
           <a:prstGeom prst="rect">
             <a:avLst/>
           </a:prstGeom>
         </p:spPr>
         <p:txBody>
-          <a:bodyPr vert="horz" lIns="91440" tIns="45720" rIns="91440" bIns="45720" rtlCol="0" anchor="ctr"/>
+          <a:bodyPr vert="horz" lIns="449299" tIns="224651" rIns="449299" bIns="224651" rtlCol="0" anchor="ctr"/>
           <a:lstStyle>
             <a:lvl1pPr algn="r">
-              <a:defRPr sz="1200">
+              <a:defRPr sz="5900">
                 <a:solidFill>
                   <a:schemeClr val="tx1">
                     <a:tint val="75000"/>
@@ -2827,12 +2827,12 @@
   </p:sldLayoutIdLst>
   <p:txStyles>
     <p:titleStyle>
-      <a:lvl1pPr algn="ctr" defTabSz="914400" rtl="0" eaLnBrk="1" latinLnBrk="0" hangingPunct="1">
+      <a:lvl1pPr algn="ctr" defTabSz="4492996" rtl="0" eaLnBrk="1" latinLnBrk="0" hangingPunct="1">
         <a:spcBef>
           <a:spcPct val="0"/>
         </a:spcBef>
         <a:buNone/>
-        <a:defRPr sz="4400" kern="1200">
+        <a:defRPr sz="21600" kern="1200">
           <a:solidFill>
             <a:schemeClr val="tx1"/>
           </a:solidFill>
@@ -2843,13 +2843,13 @@
       </a:lvl1pPr>
     </p:titleStyle>
     <p:bodyStyle>
-      <a:lvl1pPr marL="342900" indent="-342900" algn="l" defTabSz="914400" rtl="0" eaLnBrk="1" latinLnBrk="0" hangingPunct="1">
+      <a:lvl1pPr marL="1684874" indent="-1684874" algn="l" defTabSz="4492996" rtl="0" eaLnBrk="1" latinLnBrk="0" hangingPunct="1">
         <a:spcBef>
           <a:spcPct val="20000"/>
         </a:spcBef>
         <a:buFont typeface="Arial" pitchFamily="34" charset="0"/>
         <a:buChar char="•"/>
-        <a:defRPr sz="3200" kern="1200">
+        <a:defRPr sz="15700" kern="1200">
           <a:solidFill>
             <a:schemeClr val="tx1"/>
           </a:solidFill>
@@ -2858,13 +2858,13 @@
           <a:cs typeface="+mn-cs"/>
         </a:defRPr>
       </a:lvl1pPr>
-      <a:lvl2pPr marL="742950" indent="-285750" algn="l" defTabSz="914400" rtl="0" eaLnBrk="1" latinLnBrk="0" hangingPunct="1">
+      <a:lvl2pPr marL="3650560" indent="-1404062" algn="l" defTabSz="4492996" rtl="0" eaLnBrk="1" latinLnBrk="0" hangingPunct="1">
         <a:spcBef>
           <a:spcPct val="20000"/>
         </a:spcBef>
         <a:buFont typeface="Arial" pitchFamily="34" charset="0"/>
         <a:buChar char="–"/>
-        <a:defRPr sz="2800" kern="1200">
+        <a:defRPr sz="13800" kern="1200">
           <a:solidFill>
             <a:schemeClr val="tx1"/>
           </a:solidFill>
@@ -2873,13 +2873,13 @@
           <a:cs typeface="+mn-cs"/>
         </a:defRPr>
       </a:lvl2pPr>
-      <a:lvl3pPr marL="1143000" indent="-228600" algn="l" defTabSz="914400" rtl="0" eaLnBrk="1" latinLnBrk="0" hangingPunct="1">
+      <a:lvl3pPr marL="5616247" indent="-1123249" algn="l" defTabSz="4492996" rtl="0" eaLnBrk="1" latinLnBrk="0" hangingPunct="1">
         <a:spcBef>
           <a:spcPct val="20000"/>
         </a:spcBef>
         <a:buFont typeface="Arial" pitchFamily="34" charset="0"/>
         <a:buChar char="•"/>
-        <a:defRPr sz="2400" kern="1200">
+        <a:defRPr sz="11700" kern="1200">
           <a:solidFill>
             <a:schemeClr val="tx1"/>
           </a:solidFill>
@@ -2888,13 +2888,13 @@
           <a:cs typeface="+mn-cs"/>
         </a:defRPr>
       </a:lvl3pPr>
-      <a:lvl4pPr marL="1600200" indent="-228600" algn="l" defTabSz="914400" rtl="0" eaLnBrk="1" latinLnBrk="0" hangingPunct="1">
+      <a:lvl4pPr marL="7862745" indent="-1123249" algn="l" defTabSz="4492996" rtl="0" eaLnBrk="1" latinLnBrk="0" hangingPunct="1">
         <a:spcBef>
           <a:spcPct val="20000"/>
         </a:spcBef>
         <a:buFont typeface="Arial" pitchFamily="34" charset="0"/>
         <a:buChar char="–"/>
-        <a:defRPr sz="2000" kern="1200">
+        <a:defRPr sz="9900" kern="1200">
           <a:solidFill>
             <a:schemeClr val="tx1"/>
           </a:solidFill>
@@ -2903,13 +2903,13 @@
           <a:cs typeface="+mn-cs"/>
         </a:defRPr>
       </a:lvl4pPr>
-      <a:lvl5pPr marL="2057400" indent="-228600" algn="l" defTabSz="914400" rtl="0" eaLnBrk="1" latinLnBrk="0" hangingPunct="1">
+      <a:lvl5pPr marL="10109243" indent="-1123249" algn="l" defTabSz="4492996" rtl="0" eaLnBrk="1" latinLnBrk="0" hangingPunct="1">
         <a:spcBef>
           <a:spcPct val="20000"/>
         </a:spcBef>
         <a:buFont typeface="Arial" pitchFamily="34" charset="0"/>
         <a:buChar char="»"/>
-        <a:defRPr sz="2000" kern="1200">
+        <a:defRPr sz="9900" kern="1200">
           <a:solidFill>
             <a:schemeClr val="tx1"/>
           </a:solidFill>
@@ -2918,13 +2918,13 @@
           <a:cs typeface="+mn-cs"/>
         </a:defRPr>
       </a:lvl5pPr>
-      <a:lvl6pPr marL="2514600" indent="-228600" algn="l" defTabSz="914400" rtl="0" eaLnBrk="1" latinLnBrk="0" hangingPunct="1">
+      <a:lvl6pPr marL="12355743" indent="-1123249" algn="l" defTabSz="4492996" rtl="0" eaLnBrk="1" latinLnBrk="0" hangingPunct="1">
         <a:spcBef>
           <a:spcPct val="20000"/>
         </a:spcBef>
         <a:buFont typeface="Arial" pitchFamily="34" charset="0"/>
         <a:buChar char="•"/>
-        <a:defRPr sz="2000" kern="1200">
+        <a:defRPr sz="9900" kern="1200">
           <a:solidFill>
             <a:schemeClr val="tx1"/>
           </a:solidFill>
@@ -2933,13 +2933,13 @@
           <a:cs typeface="+mn-cs"/>
         </a:defRPr>
       </a:lvl6pPr>
-      <a:lvl7pPr marL="2971800" indent="-228600" algn="l" defTabSz="914400" rtl="0" eaLnBrk="1" latinLnBrk="0" hangingPunct="1">
+      <a:lvl7pPr marL="14602241" indent="-1123249" algn="l" defTabSz="4492996" rtl="0" eaLnBrk="1" latinLnBrk="0" hangingPunct="1">
         <a:spcBef>
           <a:spcPct val="20000"/>
         </a:spcBef>
         <a:buFont typeface="Arial" pitchFamily="34" charset="0"/>
         <a:buChar char="•"/>
-        <a:defRPr sz="2000" kern="1200">
+        <a:defRPr sz="9900" kern="1200">
           <a:solidFill>
             <a:schemeClr val="tx1"/>
           </a:solidFill>
@@ -2948,13 +2948,13 @@
           <a:cs typeface="+mn-cs"/>
         </a:defRPr>
       </a:lvl7pPr>
-      <a:lvl8pPr marL="3429000" indent="-228600" algn="l" defTabSz="914400" rtl="0" eaLnBrk="1" latinLnBrk="0" hangingPunct="1">
+      <a:lvl8pPr marL="16848741" indent="-1123249" algn="l" defTabSz="4492996" rtl="0" eaLnBrk="1" latinLnBrk="0" hangingPunct="1">
         <a:spcBef>
           <a:spcPct val="20000"/>
         </a:spcBef>
         <a:buFont typeface="Arial" pitchFamily="34" charset="0"/>
         <a:buChar char="•"/>
-        <a:defRPr sz="2000" kern="1200">
+        <a:defRPr sz="9900" kern="1200">
           <a:solidFill>
             <a:schemeClr val="tx1"/>
           </a:solidFill>
@@ -2963,13 +2963,13 @@
           <a:cs typeface="+mn-cs"/>
         </a:defRPr>
       </a:lvl8pPr>
-      <a:lvl9pPr marL="3886200" indent="-228600" algn="l" defTabSz="914400" rtl="0" eaLnBrk="1" latinLnBrk="0" hangingPunct="1">
+      <a:lvl9pPr marL="19095239" indent="-1123249" algn="l" defTabSz="4492996" rtl="0" eaLnBrk="1" latinLnBrk="0" hangingPunct="1">
         <a:spcBef>
           <a:spcPct val="20000"/>
         </a:spcBef>
         <a:buFont typeface="Arial" pitchFamily="34" charset="0"/>
         <a:buChar char="•"/>
-        <a:defRPr sz="2000" kern="1200">
+        <a:defRPr sz="9900" kern="1200">
           <a:solidFill>
             <a:schemeClr val="tx1"/>
           </a:solidFill>
@@ -2983,8 +2983,8 @@
       <a:defPPr>
         <a:defRPr lang="en-US"/>
       </a:defPPr>
-      <a:lvl1pPr marL="0" algn="l" defTabSz="914400" rtl="0" eaLnBrk="1" latinLnBrk="0" hangingPunct="1">
-        <a:defRPr sz="1800" kern="1200">
+      <a:lvl1pPr marL="0" algn="l" defTabSz="4492996" rtl="0" eaLnBrk="1" latinLnBrk="0" hangingPunct="1">
+        <a:defRPr sz="8800" kern="1200">
           <a:solidFill>
             <a:schemeClr val="tx1"/>
           </a:solidFill>
@@ -2993,8 +2993,8 @@
           <a:cs typeface="+mn-cs"/>
         </a:defRPr>
       </a:lvl1pPr>
-      <a:lvl2pPr marL="457200" algn="l" defTabSz="914400" rtl="0" eaLnBrk="1" latinLnBrk="0" hangingPunct="1">
-        <a:defRPr sz="1800" kern="1200">
+      <a:lvl2pPr marL="2246498" algn="l" defTabSz="4492996" rtl="0" eaLnBrk="1" latinLnBrk="0" hangingPunct="1">
+        <a:defRPr sz="8800" kern="1200">
           <a:solidFill>
             <a:schemeClr val="tx1"/>
           </a:solidFill>
@@ -3003,8 +3003,8 @@
           <a:cs typeface="+mn-cs"/>
         </a:defRPr>
       </a:lvl2pPr>
-      <a:lvl3pPr marL="914400" algn="l" defTabSz="914400" rtl="0" eaLnBrk="1" latinLnBrk="0" hangingPunct="1">
-        <a:defRPr sz="1800" kern="1200">
+      <a:lvl3pPr marL="4492996" algn="l" defTabSz="4492996" rtl="0" eaLnBrk="1" latinLnBrk="0" hangingPunct="1">
+        <a:defRPr sz="8800" kern="1200">
           <a:solidFill>
             <a:schemeClr val="tx1"/>
           </a:solidFill>
@@ -3013,8 +3013,8 @@
           <a:cs typeface="+mn-cs"/>
         </a:defRPr>
       </a:lvl3pPr>
-      <a:lvl4pPr marL="1371600" algn="l" defTabSz="914400" rtl="0" eaLnBrk="1" latinLnBrk="0" hangingPunct="1">
-        <a:defRPr sz="1800" kern="1200">
+      <a:lvl4pPr marL="6739496" algn="l" defTabSz="4492996" rtl="0" eaLnBrk="1" latinLnBrk="0" hangingPunct="1">
+        <a:defRPr sz="8800" kern="1200">
           <a:solidFill>
             <a:schemeClr val="tx1"/>
           </a:solidFill>
@@ -3023,8 +3023,8 @@
           <a:cs typeface="+mn-cs"/>
         </a:defRPr>
       </a:lvl4pPr>
-      <a:lvl5pPr marL="1828800" algn="l" defTabSz="914400" rtl="0" eaLnBrk="1" latinLnBrk="0" hangingPunct="1">
-        <a:defRPr sz="1800" kern="1200">
+      <a:lvl5pPr marL="8985994" algn="l" defTabSz="4492996" rtl="0" eaLnBrk="1" latinLnBrk="0" hangingPunct="1">
+        <a:defRPr sz="8800" kern="1200">
           <a:solidFill>
             <a:schemeClr val="tx1"/>
           </a:solidFill>
@@ -3033,8 +3033,8 @@
           <a:cs typeface="+mn-cs"/>
         </a:defRPr>
       </a:lvl5pPr>
-      <a:lvl6pPr marL="2286000" algn="l" defTabSz="914400" rtl="0" eaLnBrk="1" latinLnBrk="0" hangingPunct="1">
-        <a:defRPr sz="1800" kern="1200">
+      <a:lvl6pPr marL="11232494" algn="l" defTabSz="4492996" rtl="0" eaLnBrk="1" latinLnBrk="0" hangingPunct="1">
+        <a:defRPr sz="8800" kern="1200">
           <a:solidFill>
             <a:schemeClr val="tx1"/>
           </a:solidFill>
@@ -3043,8 +3043,8 @@
           <a:cs typeface="+mn-cs"/>
         </a:defRPr>
       </a:lvl6pPr>
-      <a:lvl7pPr marL="2743200" algn="l" defTabSz="914400" rtl="0" eaLnBrk="1" latinLnBrk="0" hangingPunct="1">
-        <a:defRPr sz="1800" kern="1200">
+      <a:lvl7pPr marL="13478992" algn="l" defTabSz="4492996" rtl="0" eaLnBrk="1" latinLnBrk="0" hangingPunct="1">
+        <a:defRPr sz="8800" kern="1200">
           <a:solidFill>
             <a:schemeClr val="tx1"/>
           </a:solidFill>
@@ -3053,8 +3053,8 @@
           <a:cs typeface="+mn-cs"/>
         </a:defRPr>
       </a:lvl7pPr>
-      <a:lvl8pPr marL="3200400" algn="l" defTabSz="914400" rtl="0" eaLnBrk="1" latinLnBrk="0" hangingPunct="1">
-        <a:defRPr sz="1800" kern="1200">
+      <a:lvl8pPr marL="15725490" algn="l" defTabSz="4492996" rtl="0" eaLnBrk="1" latinLnBrk="0" hangingPunct="1">
+        <a:defRPr sz="8800" kern="1200">
           <a:solidFill>
             <a:schemeClr val="tx1"/>
           </a:solidFill>
@@ -3063,8 +3063,8 @@
           <a:cs typeface="+mn-cs"/>
         </a:defRPr>
       </a:lvl8pPr>
-      <a:lvl9pPr marL="3657600" algn="l" defTabSz="914400" rtl="0" eaLnBrk="1" latinLnBrk="0" hangingPunct="1">
-        <a:defRPr sz="1800" kern="1200">
+      <a:lvl9pPr marL="17971990" algn="l" defTabSz="4492996" rtl="0" eaLnBrk="1" latinLnBrk="0" hangingPunct="1">
+        <a:defRPr sz="8800" kern="1200">
           <a:solidFill>
             <a:schemeClr val="tx1"/>
           </a:solidFill>
@@ -3103,8 +3103,8 @@
         </p:nvSpPr>
         <p:spPr>
           <a:xfrm>
-            <a:off x="2057400" y="228600"/>
-            <a:ext cx="5139653" cy="707886"/>
+            <a:off x="12021862" y="1097281"/>
+            <a:ext cx="28782057" cy="3485289"/>
           </a:xfrm>
           <a:prstGeom prst="rect">
             <a:avLst/>
@@ -3112,16 +3112,15 @@
           <a:noFill/>
         </p:spPr>
         <p:txBody>
-          <a:bodyPr wrap="square" rtlCol="0">
+          <a:bodyPr wrap="square" lIns="449299" tIns="224651" rIns="449299" bIns="224651" rtlCol="0">
             <a:spAutoFit/>
           </a:bodyPr>
           <a:lstStyle/>
           <a:p>
             <a:r>
-              <a:rPr lang="en-US" sz="4000" dirty="0" smtClean="0"/>
+              <a:rPr lang="en-US" sz="19700" dirty="0"/>
               <a:t>Movie Rating Prediction </a:t>
             </a:r>
-            <a:endParaRPr lang="en-US" sz="4000" dirty="0"/>
           </a:p>
         </p:txBody>
       </p:sp>
@@ -3133,8 +3132,8 @@
         </p:nvSpPr>
         <p:spPr>
           <a:xfrm>
-            <a:off x="898021" y="965603"/>
-            <a:ext cx="7224367" cy="369332"/>
+            <a:off x="5684245" y="4578861"/>
+            <a:ext cx="40456455" cy="1807907"/>
           </a:xfrm>
           <a:prstGeom prst="rect">
             <a:avLst/>
@@ -3142,7 +3141,7 @@
           <a:noFill/>
         </p:spPr>
         <p:txBody>
-          <a:bodyPr wrap="square" rtlCol="0">
+          <a:bodyPr wrap="square" lIns="449299" tIns="224651" rIns="449299" bIns="224651" rtlCol="0">
             <a:spAutoFit/>
           </a:bodyPr>
           <a:lstStyle/>
@@ -3171,8 +3170,8 @@
         </p:nvSpPr>
         <p:spPr>
           <a:xfrm>
-            <a:off x="990600" y="1828800"/>
-            <a:ext cx="3048000" cy="369332"/>
+            <a:off x="3539623" y="7274813"/>
+            <a:ext cx="17068800" cy="1807907"/>
           </a:xfrm>
           <a:prstGeom prst="rect">
             <a:avLst/>
@@ -3180,14 +3179,14 @@
           <a:noFill/>
         </p:spPr>
         <p:txBody>
-          <a:bodyPr wrap="square" rtlCol="0">
+          <a:bodyPr wrap="square" lIns="449299" tIns="224651" rIns="449299" bIns="224651" rtlCol="0">
             <a:spAutoFit/>
           </a:bodyPr>
           <a:lstStyle/>
           <a:p>
             <a:r>
               <a:rPr lang="en-US" dirty="0" smtClean="0"/>
-              <a:t>Sample Data</a:t>
+              <a:t>Introduction</a:t>
             </a:r>
             <a:endParaRPr lang="en-US" dirty="0"/>
           </a:p>
@@ -3201,8 +3200,8 @@
         </p:nvSpPr>
         <p:spPr>
           <a:xfrm>
-            <a:off x="625979" y="1828800"/>
-            <a:ext cx="364621" cy="369332"/>
+            <a:off x="1463608" y="7274813"/>
+            <a:ext cx="2041879" cy="1772791"/>
           </a:xfrm>
           <a:prstGeom prst="ellipse">
             <a:avLst/>
@@ -3225,7 +3224,7 @@
           </a:fontRef>
         </p:style>
         <p:txBody>
-          <a:bodyPr rtlCol="0" anchor="ctr"/>
+          <a:bodyPr lIns="449299" tIns="224651" rIns="449299" bIns="224651" spcCol="0" rtlCol="0" anchor="ctr"/>
           <a:lstStyle/>
           <a:p>
             <a:pPr algn="ctr"/>
@@ -3245,8 +3244,8 @@
         </p:nvSpPr>
         <p:spPr>
           <a:xfrm>
-            <a:off x="625979" y="4146573"/>
-            <a:ext cx="364621" cy="369332"/>
+            <a:off x="3505486" y="27239542"/>
+            <a:ext cx="2041879" cy="1772791"/>
           </a:xfrm>
           <a:prstGeom prst="ellipse">
             <a:avLst/>
@@ -3269,7 +3268,7 @@
           </a:fontRef>
         </p:style>
         <p:txBody>
-          <a:bodyPr rtlCol="0" anchor="ctr"/>
+          <a:bodyPr lIns="449299" tIns="224651" rIns="449299" bIns="224651" spcCol="0" rtlCol="0" anchor="ctr"/>
           <a:lstStyle/>
           <a:p>
             <a:pPr algn="ctr"/>
@@ -3289,8 +3288,8 @@
         </p:nvSpPr>
         <p:spPr>
           <a:xfrm>
-            <a:off x="1066800" y="4146573"/>
-            <a:ext cx="1447800" cy="369332"/>
+            <a:off x="5974080" y="27114773"/>
+            <a:ext cx="8107680" cy="1807907"/>
           </a:xfrm>
           <a:prstGeom prst="rect">
             <a:avLst/>
@@ -3298,15 +3297,288 @@
           <a:noFill/>
         </p:spPr>
         <p:txBody>
-          <a:bodyPr wrap="square" rtlCol="0">
+          <a:bodyPr wrap="square" lIns="449299" tIns="224651" rIns="449299" bIns="224651" rtlCol="0">
             <a:spAutoFit/>
           </a:bodyPr>
           <a:lstStyle/>
           <a:p>
             <a:r>
               <a:rPr lang="en-US" dirty="0" smtClean="0"/>
-              <a:t>Approach</a:t>
-            </a:r>
+              <a:t>Project Setup</a:t>
+            </a:r>
+            <a:endParaRPr lang="en-US" dirty="0"/>
+          </a:p>
+        </p:txBody>
+      </p:sp>
+      <p:sp>
+        <p:nvSpPr>
+          <p:cNvPr id="14" name="Oval 13"/>
+          <p:cNvSpPr/>
+          <p:nvPr/>
+        </p:nvSpPr>
+        <p:spPr>
+          <a:xfrm>
+            <a:off x="26898600" y="7267364"/>
+            <a:ext cx="2041879" cy="1772791"/>
+          </a:xfrm>
+          <a:prstGeom prst="ellipse">
+            <a:avLst/>
+          </a:prstGeom>
+        </p:spPr>
+        <p:style>
+          <a:lnRef idx="2">
+            <a:schemeClr val="accent1">
+              <a:shade val="50000"/>
+            </a:schemeClr>
+          </a:lnRef>
+          <a:fillRef idx="1">
+            <a:schemeClr val="accent1"/>
+          </a:fillRef>
+          <a:effectRef idx="0">
+            <a:schemeClr val="accent1"/>
+          </a:effectRef>
+          <a:fontRef idx="minor">
+            <a:schemeClr val="lt1"/>
+          </a:fontRef>
+        </p:style>
+        <p:txBody>
+          <a:bodyPr lIns="449299" tIns="224651" rIns="449299" bIns="224651" spcCol="0" rtlCol="0" anchor="ctr"/>
+          <a:lstStyle/>
+          <a:p>
+            <a:pPr algn="ctr"/>
+            <a:r>
+              <a:rPr lang="en-US" dirty="0" smtClean="0"/>
+              <a:t>2</a:t>
+            </a:r>
+            <a:endParaRPr lang="en-US" dirty="0"/>
+          </a:p>
+        </p:txBody>
+      </p:sp>
+      <p:sp>
+        <p:nvSpPr>
+          <p:cNvPr id="15" name="TextBox 14"/>
+          <p:cNvSpPr txBox="1"/>
+          <p:nvPr/>
+        </p:nvSpPr>
+        <p:spPr>
+          <a:xfrm>
+            <a:off x="29075383" y="7274813"/>
+            <a:ext cx="8968701" cy="1807907"/>
+          </a:xfrm>
+          <a:prstGeom prst="rect">
+            <a:avLst/>
+          </a:prstGeom>
+          <a:noFill/>
+        </p:spPr>
+        <p:txBody>
+          <a:bodyPr wrap="square" lIns="449299" tIns="224651" rIns="449299" bIns="224651" rtlCol="0">
+            <a:spAutoFit/>
+          </a:bodyPr>
+          <a:lstStyle/>
+          <a:p>
+            <a:r>
+              <a:rPr lang="en-US" dirty="0" smtClean="0"/>
+              <a:t>Model Choice</a:t>
+            </a:r>
+            <a:endParaRPr lang="en-US" dirty="0"/>
+          </a:p>
+        </p:txBody>
+      </p:sp>
+      <p:sp>
+        <p:nvSpPr>
+          <p:cNvPr id="16" name="Oval 15"/>
+          <p:cNvSpPr/>
+          <p:nvPr/>
+        </p:nvSpPr>
+        <p:spPr>
+          <a:xfrm>
+            <a:off x="33559734" y="19903555"/>
+            <a:ext cx="2041879" cy="1772791"/>
+          </a:xfrm>
+          <a:prstGeom prst="ellipse">
+            <a:avLst/>
+          </a:prstGeom>
+        </p:spPr>
+        <p:style>
+          <a:lnRef idx="2">
+            <a:schemeClr val="accent1">
+              <a:shade val="50000"/>
+            </a:schemeClr>
+          </a:lnRef>
+          <a:fillRef idx="1">
+            <a:schemeClr val="accent1"/>
+          </a:fillRef>
+          <a:effectRef idx="0">
+            <a:schemeClr val="accent1"/>
+          </a:effectRef>
+          <a:fontRef idx="minor">
+            <a:schemeClr val="lt1"/>
+          </a:fontRef>
+        </p:style>
+        <p:txBody>
+          <a:bodyPr lIns="449299" tIns="224651" rIns="449299" bIns="224651" spcCol="0" rtlCol="0" anchor="ctr"/>
+          <a:lstStyle/>
+          <a:p>
+            <a:pPr algn="ctr"/>
+            <a:r>
+              <a:rPr lang="en-US" dirty="0" smtClean="0"/>
+              <a:t>4</a:t>
+            </a:r>
+            <a:endParaRPr lang="en-US" dirty="0"/>
+          </a:p>
+        </p:txBody>
+      </p:sp>
+      <p:sp>
+        <p:nvSpPr>
+          <p:cNvPr id="17" name="TextBox 16"/>
+          <p:cNvSpPr txBox="1"/>
+          <p:nvPr/>
+        </p:nvSpPr>
+        <p:spPr>
+          <a:xfrm>
+            <a:off x="35601609" y="19903555"/>
+            <a:ext cx="8968701" cy="1807907"/>
+          </a:xfrm>
+          <a:prstGeom prst="rect">
+            <a:avLst/>
+          </a:prstGeom>
+          <a:noFill/>
+        </p:spPr>
+        <p:txBody>
+          <a:bodyPr wrap="square" lIns="449299" tIns="224651" rIns="449299" bIns="224651" rtlCol="0">
+            <a:spAutoFit/>
+          </a:bodyPr>
+          <a:lstStyle/>
+          <a:p>
+            <a:r>
+              <a:rPr lang="en-US" dirty="0" smtClean="0"/>
+              <a:t>Evaluation</a:t>
+            </a:r>
+            <a:endParaRPr lang="en-US" dirty="0"/>
+          </a:p>
+        </p:txBody>
+      </p:sp>
+      <p:sp>
+        <p:nvSpPr>
+          <p:cNvPr id="18" name="Rectangle 17"/>
+          <p:cNvSpPr/>
+          <p:nvPr/>
+        </p:nvSpPr>
+        <p:spPr>
+          <a:xfrm>
+            <a:off x="513660" y="8153760"/>
+            <a:ext cx="21584340" cy="19051359"/>
+          </a:xfrm>
+          <a:prstGeom prst="rect">
+            <a:avLst/>
+          </a:prstGeom>
+        </p:spPr>
+        <p:txBody>
+          <a:bodyPr wrap="square" lIns="91428" tIns="45715" rIns="91428" bIns="45715">
+            <a:spAutoFit/>
+          </a:bodyPr>
+          <a:lstStyle/>
+          <a:p>
+            <a:pPr marL="1142861" indent="-1142861">
+              <a:buFont typeface="Arial" pitchFamily="34" charset="0"/>
+              <a:buChar char="•"/>
+            </a:pPr>
+            <a:endParaRPr lang="en-US" dirty="0"/>
+          </a:p>
+          <a:p>
+            <a:pPr marL="3389359" lvl="1" indent="-1142861" fontAlgn="base">
+              <a:buFont typeface="Arial" pitchFamily="34" charset="0"/>
+              <a:buChar char="•"/>
+            </a:pPr>
+            <a:r>
+              <a:rPr lang="en-US" dirty="0"/>
+              <a:t>Investigate relationship between a movie’s </a:t>
+            </a:r>
+            <a:r>
+              <a:rPr lang="en-US" dirty="0">
+                <a:solidFill>
+                  <a:srgbClr val="00B0F0"/>
+                </a:solidFill>
+              </a:rPr>
+              <a:t>attributes</a:t>
+            </a:r>
+            <a:r>
+              <a:rPr lang="en-US" dirty="0"/>
+              <a:t> and the </a:t>
+            </a:r>
+            <a:r>
+              <a:rPr lang="en-US" dirty="0">
+                <a:solidFill>
+                  <a:srgbClr val="00B0F0"/>
+                </a:solidFill>
+              </a:rPr>
+              <a:t>rating</a:t>
+            </a:r>
+            <a:r>
+              <a:rPr lang="en-US" dirty="0"/>
+              <a:t> it received</a:t>
+            </a:r>
+          </a:p>
+          <a:p>
+            <a:pPr marL="3389359" lvl="1" indent="-1142861" fontAlgn="base">
+              <a:buFont typeface="Arial" pitchFamily="34" charset="0"/>
+              <a:buChar char="•"/>
+            </a:pPr>
+            <a:r>
+              <a:rPr lang="en-US" dirty="0"/>
+              <a:t>Implement and compare the effectiveness of a </a:t>
+            </a:r>
+            <a:r>
+              <a:rPr lang="en-US" dirty="0">
+                <a:solidFill>
+                  <a:srgbClr val="00B0F0"/>
+                </a:solidFill>
+              </a:rPr>
+              <a:t>model tree</a:t>
+            </a:r>
+            <a:r>
+              <a:rPr lang="en-US" dirty="0"/>
+              <a:t> and a </a:t>
+            </a:r>
+            <a:r>
+              <a:rPr lang="en-US" dirty="0">
+                <a:solidFill>
+                  <a:srgbClr val="00B0F0"/>
+                </a:solidFill>
+              </a:rPr>
+              <a:t>neural network</a:t>
+            </a:r>
+            <a:r>
+              <a:rPr lang="en-US" dirty="0"/>
+              <a:t> that take the attributes as input and output the expected rating</a:t>
+            </a:r>
+          </a:p>
+          <a:p>
+            <a:pPr marL="3389359" lvl="1" indent="-1142861" fontAlgn="base">
+              <a:buFont typeface="Arial" pitchFamily="34" charset="0"/>
+              <a:buChar char="•"/>
+            </a:pPr>
+            <a:r>
+              <a:rPr lang="en-US" dirty="0"/>
+              <a:t>Compare the effectiveness of these models with and without feature selection using </a:t>
+            </a:r>
+            <a:r>
+              <a:rPr lang="en-US" dirty="0">
+                <a:solidFill>
+                  <a:srgbClr val="00B0F0"/>
+                </a:solidFill>
+              </a:rPr>
+              <a:t>sequential forward search </a:t>
+            </a:r>
+          </a:p>
+          <a:p>
+            <a:r>
+              <a:rPr lang="en-US" dirty="0" smtClean="0"/>
+              <a:t/>
+            </a:r>
+            <a:br>
+              <a:rPr lang="en-US" dirty="0" smtClean="0"/>
+            </a:br>
             <a:endParaRPr lang="en-US" dirty="0"/>
           </a:p>
         </p:txBody>

--- a/poster.pptx
+++ b/poster.pptx
@@ -3238,13 +3238,13 @@
       </p:sp>
       <p:sp>
         <p:nvSpPr>
-          <p:cNvPr id="12" name="Oval 11"/>
+          <p:cNvPr id="14" name="Oval 13"/>
           <p:cNvSpPr/>
           <p:nvPr/>
         </p:nvSpPr>
         <p:spPr>
           <a:xfrm>
-            <a:off x="3505486" y="27239542"/>
+            <a:off x="1497744" y="20230904"/>
             <a:ext cx="2041879" cy="1772791"/>
           </a:xfrm>
           <a:prstGeom prst="ellipse">
@@ -3282,87 +3282,13 @@
       </p:sp>
       <p:sp>
         <p:nvSpPr>
-          <p:cNvPr id="13" name="TextBox 12"/>
-          <p:cNvSpPr txBox="1"/>
-          <p:nvPr/>
-        </p:nvSpPr>
-        <p:spPr>
-          <a:xfrm>
-            <a:off x="5974080" y="27114773"/>
-            <a:ext cx="8107680" cy="1807907"/>
-          </a:xfrm>
-          <a:prstGeom prst="rect">
-            <a:avLst/>
-          </a:prstGeom>
-          <a:noFill/>
-        </p:spPr>
-        <p:txBody>
-          <a:bodyPr wrap="square" lIns="449299" tIns="224651" rIns="449299" bIns="224651" rtlCol="0">
-            <a:spAutoFit/>
-          </a:bodyPr>
-          <a:lstStyle/>
-          <a:p>
-            <a:r>
-              <a:rPr lang="en-US" dirty="0" smtClean="0"/>
-              <a:t>Project Setup</a:t>
-            </a:r>
-            <a:endParaRPr lang="en-US" dirty="0"/>
-          </a:p>
-        </p:txBody>
-      </p:sp>
-      <p:sp>
-        <p:nvSpPr>
-          <p:cNvPr id="14" name="Oval 13"/>
-          <p:cNvSpPr/>
-          <p:nvPr/>
-        </p:nvSpPr>
-        <p:spPr>
-          <a:xfrm>
-            <a:off x="26898600" y="7267364"/>
-            <a:ext cx="2041879" cy="1772791"/>
-          </a:xfrm>
-          <a:prstGeom prst="ellipse">
-            <a:avLst/>
-          </a:prstGeom>
-        </p:spPr>
-        <p:style>
-          <a:lnRef idx="2">
-            <a:schemeClr val="accent1">
-              <a:shade val="50000"/>
-            </a:schemeClr>
-          </a:lnRef>
-          <a:fillRef idx="1">
-            <a:schemeClr val="accent1"/>
-          </a:fillRef>
-          <a:effectRef idx="0">
-            <a:schemeClr val="accent1"/>
-          </a:effectRef>
-          <a:fontRef idx="minor">
-            <a:schemeClr val="lt1"/>
-          </a:fontRef>
-        </p:style>
-        <p:txBody>
-          <a:bodyPr lIns="449299" tIns="224651" rIns="449299" bIns="224651" spcCol="0" rtlCol="0" anchor="ctr"/>
-          <a:lstStyle/>
-          <a:p>
-            <a:pPr algn="ctr"/>
-            <a:r>
-              <a:rPr lang="en-US" dirty="0" smtClean="0"/>
-              <a:t>2</a:t>
-            </a:r>
-            <a:endParaRPr lang="en-US" dirty="0"/>
-          </a:p>
-        </p:txBody>
-      </p:sp>
-      <p:sp>
-        <p:nvSpPr>
           <p:cNvPr id="15" name="TextBox 14"/>
           <p:cNvSpPr txBox="1"/>
           <p:nvPr/>
         </p:nvSpPr>
         <p:spPr>
           <a:xfrm>
-            <a:off x="29075383" y="7274813"/>
+            <a:off x="3539623" y="20175793"/>
             <a:ext cx="8968701" cy="1807907"/>
           </a:xfrm>
           <a:prstGeom prst="rect">
@@ -3386,200 +3312,369 @@
       </p:sp>
       <p:sp>
         <p:nvSpPr>
-          <p:cNvPr id="16" name="Oval 15"/>
+          <p:cNvPr id="18" name="Rectangle 17"/>
           <p:cNvSpPr/>
           <p:nvPr/>
         </p:nvSpPr>
         <p:spPr>
           <a:xfrm>
-            <a:off x="33559734" y="19903555"/>
-            <a:ext cx="2041879" cy="1772791"/>
+            <a:off x="513660" y="8153760"/>
+            <a:ext cx="21584340" cy="11141501"/>
           </a:xfrm>
-          <a:prstGeom prst="ellipse">
+          <a:prstGeom prst="rect">
+            <a:avLst/>
+          </a:prstGeom>
+        </p:spPr>
+        <p:txBody>
+          <a:bodyPr wrap="square" lIns="91428" tIns="45715" rIns="91428" bIns="45715">
+            <a:spAutoFit/>
+          </a:bodyPr>
+          <a:lstStyle/>
+          <a:p>
+            <a:pPr marL="1142861" indent="-1142861">
+              <a:buFont typeface="Arial" pitchFamily="34" charset="0"/>
+              <a:buChar char="•"/>
+            </a:pPr>
+            <a:endParaRPr lang="en-US" dirty="0"/>
+          </a:p>
+          <a:p>
+            <a:pPr marL="3389359" lvl="1" indent="-1142861" fontAlgn="base">
+              <a:buFont typeface="Arial" pitchFamily="34" charset="0"/>
+              <a:buChar char="•"/>
+            </a:pPr>
+            <a:r>
+              <a:rPr lang="en-US" sz="7000" dirty="0"/>
+              <a:t>Investigate relationship between a movie’s </a:t>
+            </a:r>
+            <a:r>
+              <a:rPr lang="en-US" sz="7000" dirty="0">
+                <a:solidFill>
+                  <a:srgbClr val="00B0F0"/>
+                </a:solidFill>
+              </a:rPr>
+              <a:t>attributes</a:t>
+            </a:r>
+            <a:r>
+              <a:rPr lang="en-US" sz="7000" dirty="0"/>
+              <a:t> and the </a:t>
+            </a:r>
+            <a:r>
+              <a:rPr lang="en-US" sz="7000" dirty="0">
+                <a:solidFill>
+                  <a:srgbClr val="00B0F0"/>
+                </a:solidFill>
+              </a:rPr>
+              <a:t>rating</a:t>
+            </a:r>
+            <a:r>
+              <a:rPr lang="en-US" sz="7000" dirty="0"/>
+              <a:t> it received</a:t>
+            </a:r>
+          </a:p>
+          <a:p>
+            <a:pPr marL="3389359" lvl="1" indent="-1142861" fontAlgn="base">
+              <a:buFont typeface="Arial" pitchFamily="34" charset="0"/>
+              <a:buChar char="•"/>
+            </a:pPr>
+            <a:r>
+              <a:rPr lang="en-US" sz="7000" dirty="0"/>
+              <a:t>Implement and compare the effectiveness of a </a:t>
+            </a:r>
+            <a:r>
+              <a:rPr lang="en-US" sz="7000" dirty="0">
+                <a:solidFill>
+                  <a:srgbClr val="00B0F0"/>
+                </a:solidFill>
+              </a:rPr>
+              <a:t>model tree</a:t>
+            </a:r>
+            <a:r>
+              <a:rPr lang="en-US" sz="7000" dirty="0"/>
+              <a:t> and a </a:t>
+            </a:r>
+            <a:r>
+              <a:rPr lang="en-US" sz="7000" dirty="0">
+                <a:solidFill>
+                  <a:srgbClr val="00B0F0"/>
+                </a:solidFill>
+              </a:rPr>
+              <a:t>neural network</a:t>
+            </a:r>
+            <a:r>
+              <a:rPr lang="en-US" sz="7000" dirty="0"/>
+              <a:t> that take the attributes as input and output the expected rating</a:t>
+            </a:r>
+          </a:p>
+          <a:p>
+            <a:pPr marL="3389359" lvl="1" indent="-1142861" fontAlgn="base">
+              <a:buFont typeface="Arial" pitchFamily="34" charset="0"/>
+              <a:buChar char="•"/>
+            </a:pPr>
+            <a:r>
+              <a:rPr lang="en-US" sz="7000" dirty="0"/>
+              <a:t>Compare the effectiveness of these models with and without feature selection using </a:t>
+            </a:r>
+            <a:r>
+              <a:rPr lang="en-US" sz="7000" dirty="0">
+                <a:solidFill>
+                  <a:srgbClr val="00B0F0"/>
+                </a:solidFill>
+              </a:rPr>
+              <a:t>sequential forward search </a:t>
+            </a:r>
+          </a:p>
+        </p:txBody>
+      </p:sp>
+      <p:pic>
+        <p:nvPicPr>
+          <p:cNvPr id="1026" name="Picture 2" descr="http://ia.media-imdb.com/images/M/MV5BMTc3MjI0MjM0NF5BMl5BanBnXkFtZTcwMTYxMTQ1OA@@._V1_SY317_CR0,0,214,317_.jpg"/>
+          <p:cNvPicPr>
+            <a:picLocks noChangeAspect="1" noChangeArrowheads="1"/>
+          </p:cNvPicPr>
+          <p:nvPr/>
+        </p:nvPicPr>
+        <p:blipFill>
+          <a:blip r:embed="rId2">
+            <a:extLst>
+              <a:ext uri="{28A0092B-C50C-407E-A947-70E740481C1C}">
+                <a14:useLocalDpi xmlns:a14="http://schemas.microsoft.com/office/drawing/2010/main" val="0"/>
+              </a:ext>
+            </a:extLst>
+          </a:blip>
+          <a:srcRect/>
+          <a:stretch>
+            <a:fillRect/>
+          </a:stretch>
+        </p:blipFill>
+        <p:spPr bwMode="auto">
+          <a:xfrm>
+            <a:off x="24080081" y="9047604"/>
+            <a:ext cx="5637035" cy="8350187"/>
+          </a:xfrm>
+          <a:prstGeom prst="rect">
+            <a:avLst/>
+          </a:prstGeom>
+          <a:noFill/>
+          <a:extLst>
+            <a:ext uri="{909E8E84-426E-40DD-AFC4-6F175D3DCCD1}">
+              <a14:hiddenFill xmlns:a14="http://schemas.microsoft.com/office/drawing/2010/main">
+                <a:solidFill>
+                  <a:srgbClr val="FFFFFF"/>
+                </a:solidFill>
+              </a14:hiddenFill>
+            </a:ext>
+          </a:extLst>
+        </p:spPr>
+      </p:pic>
+      <p:sp>
+        <p:nvSpPr>
+          <p:cNvPr id="22" name="Rectangle 21"/>
+          <p:cNvSpPr/>
+          <p:nvPr/>
+        </p:nvSpPr>
+        <p:spPr>
+          <a:xfrm>
+            <a:off x="23317200" y="19059922"/>
+            <a:ext cx="7772400" cy="7010400"/>
+          </a:xfrm>
+          <a:prstGeom prst="rect">
             <a:avLst/>
           </a:prstGeom>
         </p:spPr>
         <p:style>
           <a:lnRef idx="2">
-            <a:schemeClr val="accent1">
+            <a:schemeClr val="accent2">
               <a:shade val="50000"/>
             </a:schemeClr>
           </a:lnRef>
           <a:fillRef idx="1">
-            <a:schemeClr val="accent1"/>
+            <a:schemeClr val="accent2"/>
           </a:fillRef>
           <a:effectRef idx="0">
-            <a:schemeClr val="accent1"/>
+            <a:schemeClr val="accent2"/>
           </a:effectRef>
           <a:fontRef idx="minor">
             <a:schemeClr val="lt1"/>
           </a:fontRef>
         </p:style>
         <p:txBody>
-          <a:bodyPr lIns="449299" tIns="224651" rIns="449299" bIns="224651" spcCol="0" rtlCol="0" anchor="ctr"/>
-          <a:lstStyle/>
-          <a:p>
-            <a:pPr algn="ctr"/>
-            <a:r>
-              <a:rPr lang="en-US" dirty="0" smtClean="0"/>
-              <a:t>4</a:t>
-            </a:r>
-            <a:endParaRPr lang="en-US" dirty="0"/>
-          </a:p>
-        </p:txBody>
-      </p:sp>
-      <p:sp>
-        <p:nvSpPr>
-          <p:cNvPr id="17" name="TextBox 16"/>
-          <p:cNvSpPr txBox="1"/>
+          <a:bodyPr rtlCol="0" anchor="ctr"/>
+          <a:lstStyle/>
+          <a:p>
+            <a:r>
+              <a:rPr lang="en-US" sz="3000" dirty="0" smtClean="0"/>
+              <a:t>IMDB ID:  tt1024648</a:t>
+            </a:r>
+          </a:p>
+          <a:p>
+            <a:r>
+              <a:rPr lang="en-US" sz="3000" dirty="0" smtClean="0"/>
+              <a:t>Rating: 8.2</a:t>
+            </a:r>
+          </a:p>
+          <a:p>
+            <a:r>
+              <a:rPr lang="en-US" sz="3000" dirty="0" smtClean="0"/>
+              <a:t>Rating count:  42817</a:t>
+            </a:r>
+          </a:p>
+          <a:p>
+            <a:r>
+              <a:rPr lang="en-US" sz="3000" dirty="0" smtClean="0"/>
+              <a:t>Actors:  Ben Affleck, Bryan Cranston, Alan </a:t>
+            </a:r>
+            <a:r>
+              <a:rPr lang="en-US" sz="3000" dirty="0" err="1" smtClean="0"/>
+              <a:t>Arkin</a:t>
+            </a:r>
+            <a:r>
+              <a:rPr lang="en-US" sz="3000" dirty="0" smtClean="0"/>
+              <a:t>, John Goodman, Victor Garber </a:t>
+            </a:r>
+          </a:p>
+          <a:p>
+            <a:r>
+              <a:rPr lang="en-US" sz="3000" dirty="0" smtClean="0"/>
+              <a:t>Directors:  Ben Affleck</a:t>
+            </a:r>
+          </a:p>
+          <a:p>
+            <a:r>
+              <a:rPr lang="en-US" sz="3000" dirty="0" smtClean="0"/>
+              <a:t>Writers:  Chris </a:t>
+            </a:r>
+            <a:r>
+              <a:rPr lang="en-US" sz="3000" dirty="0" err="1" smtClean="0"/>
+              <a:t>Terrio</a:t>
+            </a:r>
+            <a:r>
+              <a:rPr lang="en-US" sz="3000" dirty="0" smtClean="0"/>
+              <a:t>, </a:t>
+            </a:r>
+            <a:r>
+              <a:rPr lang="en-US" sz="3000" dirty="0" err="1" smtClean="0"/>
+              <a:t>Joshuah</a:t>
+            </a:r>
+            <a:r>
+              <a:rPr lang="en-US" sz="3000" dirty="0" smtClean="0"/>
+              <a:t> </a:t>
+            </a:r>
+            <a:r>
+              <a:rPr lang="en-US" sz="3000" dirty="0" err="1" smtClean="0"/>
+              <a:t>Bearman</a:t>
+            </a:r>
+            <a:endParaRPr lang="en-US" sz="3000" dirty="0"/>
+          </a:p>
+          <a:p>
+            <a:r>
+              <a:rPr lang="en-US" sz="3000" dirty="0" smtClean="0"/>
+              <a:t>Genres:  Drama, History, Thriller</a:t>
+            </a:r>
+          </a:p>
+          <a:p>
+            <a:r>
+              <a:rPr lang="en-US" sz="3000" dirty="0" smtClean="0"/>
+              <a:t>Languages:  </a:t>
+            </a:r>
+            <a:r>
+              <a:rPr lang="en-US" sz="3000" dirty="0" err="1" smtClean="0"/>
+              <a:t>English,Persian</a:t>
+            </a:r>
+            <a:r>
+              <a:rPr lang="en-US" sz="3000" dirty="0" smtClean="0"/>
+              <a:t>	</a:t>
+            </a:r>
+          </a:p>
+          <a:p>
+            <a:r>
+              <a:rPr lang="en-US" sz="3000" dirty="0" smtClean="0"/>
+              <a:t>Country:  USA	</a:t>
+            </a:r>
+          </a:p>
+          <a:p>
+            <a:r>
+              <a:rPr lang="en-US" sz="3000" dirty="0" smtClean="0"/>
+              <a:t>Rating:  R	</a:t>
+            </a:r>
+          </a:p>
+          <a:p>
+            <a:r>
+              <a:rPr lang="en-US" sz="3000" dirty="0" smtClean="0"/>
+              <a:t>Release Date:  2012-10-12	</a:t>
+            </a:r>
+          </a:p>
+          <a:p>
+            <a:r>
+              <a:rPr lang="en-US" sz="3000" dirty="0" smtClean="0"/>
+              <a:t>Runtime:</a:t>
+            </a:r>
+          </a:p>
+          <a:p>
+            <a:r>
+              <a:rPr lang="en-US" sz="3000" dirty="0" smtClean="0"/>
+              <a:t>120</a:t>
+            </a:r>
+            <a:endParaRPr lang="en-US" sz="3000" dirty="0"/>
+          </a:p>
+        </p:txBody>
+      </p:sp>
+      <p:sp>
+        <p:nvSpPr>
+          <p:cNvPr id="28" name="Down Arrow 27"/>
+          <p:cNvSpPr/>
           <p:nvPr/>
         </p:nvSpPr>
         <p:spPr>
           <a:xfrm>
-            <a:off x="35601609" y="19903555"/>
-            <a:ext cx="8968701" cy="1807907"/>
+            <a:off x="26631899" y="17397790"/>
+            <a:ext cx="1143002" cy="1662131"/>
           </a:xfrm>
-          <a:prstGeom prst="rect">
-            <a:avLst/>
-          </a:prstGeom>
-          <a:noFill/>
-        </p:spPr>
-        <p:txBody>
-          <a:bodyPr wrap="square" lIns="449299" tIns="224651" rIns="449299" bIns="224651" rtlCol="0">
-            <a:spAutoFit/>
-          </a:bodyPr>
-          <a:lstStyle/>
-          <a:p>
-            <a:r>
-              <a:rPr lang="en-US" dirty="0" smtClean="0"/>
-              <a:t>Evaluation</a:t>
-            </a:r>
-            <a:endParaRPr lang="en-US" dirty="0"/>
-          </a:p>
-        </p:txBody>
-      </p:sp>
-      <p:sp>
-        <p:nvSpPr>
-          <p:cNvPr id="18" name="Rectangle 17"/>
-          <p:cNvSpPr/>
-          <p:nvPr/>
-        </p:nvSpPr>
-        <p:spPr>
-          <a:xfrm>
-            <a:off x="513660" y="8153760"/>
-            <a:ext cx="21584340" cy="19051359"/>
-          </a:xfrm>
-          <a:prstGeom prst="rect">
+          <a:prstGeom prst="downArrow">
             <a:avLst/>
           </a:prstGeom>
         </p:spPr>
-        <p:txBody>
-          <a:bodyPr wrap="square" lIns="91428" tIns="45715" rIns="91428" bIns="45715">
-            <a:spAutoFit/>
-          </a:bodyPr>
-          <a:lstStyle/>
-          <a:p>
-            <a:pPr marL="1142861" indent="-1142861">
-              <a:buFont typeface="Arial" pitchFamily="34" charset="0"/>
-              <a:buChar char="•"/>
-            </a:pPr>
-            <a:endParaRPr lang="en-US" dirty="0"/>
-          </a:p>
-          <a:p>
-            <a:pPr marL="3389359" lvl="1" indent="-1142861" fontAlgn="base">
-              <a:buFont typeface="Arial" pitchFamily="34" charset="0"/>
-              <a:buChar char="•"/>
-            </a:pPr>
-            <a:r>
-              <a:rPr lang="en-US" dirty="0"/>
-              <a:t>Investigate relationship between a movie’s </a:t>
-            </a:r>
-            <a:r>
-              <a:rPr lang="en-US" dirty="0">
+        <p:style>
+          <a:lnRef idx="1">
+            <a:schemeClr val="accent2"/>
+          </a:lnRef>
+          <a:fillRef idx="2">
+            <a:schemeClr val="accent2"/>
+          </a:fillRef>
+          <a:effectRef idx="1">
+            <a:schemeClr val="accent2"/>
+          </a:effectRef>
+          <a:fontRef idx="minor">
+            <a:schemeClr val="dk1"/>
+          </a:fontRef>
+        </p:style>
+        <p:txBody>
+          <a:bodyPr rtlCol="0" anchor="ctr"/>
+          <a:lstStyle/>
+          <a:p>
+            <a:pPr algn="ctr"/>
+            <a:endParaRPr lang="en-US" b="1">
+              <a:ln w="12700">
                 <a:solidFill>
-                  <a:srgbClr val="00B0F0"/>
+                  <a:schemeClr val="tx2">
+                    <a:satMod val="155000"/>
+                  </a:schemeClr>
                 </a:solidFill>
-              </a:rPr>
-              <a:t>attributes</a:t>
-            </a:r>
-            <a:r>
-              <a:rPr lang="en-US" dirty="0"/>
-              <a:t> and the </a:t>
-            </a:r>
-            <a:r>
-              <a:rPr lang="en-US" dirty="0">
-                <a:solidFill>
-                  <a:srgbClr val="00B0F0"/>
-                </a:solidFill>
-              </a:rPr>
-              <a:t>rating</a:t>
-            </a:r>
-            <a:r>
-              <a:rPr lang="en-US" dirty="0"/>
-              <a:t> it received</a:t>
-            </a:r>
-          </a:p>
-          <a:p>
-            <a:pPr marL="3389359" lvl="1" indent="-1142861" fontAlgn="base">
-              <a:buFont typeface="Arial" pitchFamily="34" charset="0"/>
-              <a:buChar char="•"/>
-            </a:pPr>
-            <a:r>
-              <a:rPr lang="en-US" dirty="0"/>
-              <a:t>Implement and compare the effectiveness of a </a:t>
-            </a:r>
-            <a:r>
-              <a:rPr lang="en-US" dirty="0">
-                <a:solidFill>
-                  <a:srgbClr val="00B0F0"/>
-                </a:solidFill>
-              </a:rPr>
-              <a:t>model tree</a:t>
-            </a:r>
-            <a:r>
-              <a:rPr lang="en-US" dirty="0"/>
-              <a:t> and a </a:t>
-            </a:r>
-            <a:r>
-              <a:rPr lang="en-US" dirty="0">
-                <a:solidFill>
-                  <a:srgbClr val="00B0F0"/>
-                </a:solidFill>
-              </a:rPr>
-              <a:t>neural network</a:t>
-            </a:r>
-            <a:r>
-              <a:rPr lang="en-US" dirty="0"/>
-              <a:t> that take the attributes as input and output the expected rating</a:t>
-            </a:r>
-          </a:p>
-          <a:p>
-            <a:pPr marL="3389359" lvl="1" indent="-1142861" fontAlgn="base">
-              <a:buFont typeface="Arial" pitchFamily="34" charset="0"/>
-              <a:buChar char="•"/>
-            </a:pPr>
-            <a:r>
-              <a:rPr lang="en-US" dirty="0"/>
-              <a:t>Compare the effectiveness of these models with and without feature selection using </a:t>
-            </a:r>
-            <a:r>
-              <a:rPr lang="en-US" dirty="0">
-                <a:solidFill>
-                  <a:srgbClr val="00B0F0"/>
-                </a:solidFill>
-              </a:rPr>
-              <a:t>sequential forward search </a:t>
-            </a:r>
-          </a:p>
-          <a:p>
-            <a:r>
-              <a:rPr lang="en-US" dirty="0" smtClean="0"/>
-              <a:t/>
-            </a:r>
-            <a:br>
-              <a:rPr lang="en-US" dirty="0" smtClean="0"/>
-            </a:br>
-            <a:endParaRPr lang="en-US" dirty="0"/>
+                <a:prstDash val="solid"/>
+              </a:ln>
+              <a:solidFill>
+                <a:schemeClr val="bg2">
+                  <a:tint val="85000"/>
+                  <a:satMod val="155000"/>
+                </a:schemeClr>
+              </a:solidFill>
+              <a:effectLst>
+                <a:outerShdw blurRad="41275" dist="20320" dir="1800000" algn="tl" rotWithShape="0">
+                  <a:srgbClr val="000000">
+                    <a:alpha val="40000"/>
+                  </a:srgbClr>
+                </a:outerShdw>
+              </a:effectLst>
+            </a:endParaRPr>
           </a:p>
         </p:txBody>
       </p:sp>

--- a/poster.pptx
+++ b/poster.pptx
@@ -3304,7 +3304,7 @@
           <a:p>
             <a:r>
               <a:rPr lang="en-US" dirty="0" smtClean="0"/>
-              <a:t>Model Choice</a:t>
+              <a:t>Project Setup</a:t>
             </a:r>
             <a:endParaRPr lang="en-US" dirty="0"/>
           </a:p>
@@ -3448,7 +3448,7 @@
         </p:blipFill>
         <p:spPr bwMode="auto">
           <a:xfrm>
-            <a:off x="24080081" y="9047604"/>
+            <a:off x="9203344" y="22527991"/>
             <a:ext cx="5637035" cy="8350187"/>
           </a:xfrm>
           <a:prstGeom prst="rect">
@@ -3474,7 +3474,7 @@
         </p:nvSpPr>
         <p:spPr>
           <a:xfrm>
-            <a:off x="23317200" y="19059922"/>
+            <a:off x="24170683" y="23867778"/>
             <a:ext cx="7772400" cy="7010400"/>
           </a:xfrm>
           <a:prstGeom prst="rect">
@@ -3620,31 +3620,33 @@
       </p:sp>
       <p:sp>
         <p:nvSpPr>
-          <p:cNvPr id="28" name="Down Arrow 27"/>
+          <p:cNvPr id="1027" name="Round Diagonal Corner Rectangle 1026"/>
           <p:cNvSpPr/>
           <p:nvPr/>
         </p:nvSpPr>
         <p:spPr>
           <a:xfrm>
-            <a:off x="26631899" y="17397790"/>
-            <a:ext cx="1143002" cy="1662131"/>
+            <a:off x="1497744" y="25008840"/>
+            <a:ext cx="5939517" cy="3886200"/>
           </a:xfrm>
-          <a:prstGeom prst="downArrow">
+          <a:prstGeom prst="round2DiagRect">
             <a:avLst/>
           </a:prstGeom>
         </p:spPr>
         <p:style>
-          <a:lnRef idx="1">
-            <a:schemeClr val="accent2"/>
+          <a:lnRef idx="2">
+            <a:schemeClr val="accent1">
+              <a:shade val="50000"/>
+            </a:schemeClr>
           </a:lnRef>
-          <a:fillRef idx="2">
-            <a:schemeClr val="accent2"/>
+          <a:fillRef idx="1">
+            <a:schemeClr val="accent1"/>
           </a:fillRef>
-          <a:effectRef idx="1">
-            <a:schemeClr val="accent2"/>
+          <a:effectRef idx="0">
+            <a:schemeClr val="accent1"/>
           </a:effectRef>
           <a:fontRef idx="minor">
-            <a:schemeClr val="dk1"/>
+            <a:schemeClr val="lt1"/>
           </a:fontRef>
         </p:style>
         <p:txBody>
@@ -3652,29 +3654,281 @@
           <a:lstStyle/>
           <a:p>
             <a:pPr algn="ctr"/>
-            <a:endParaRPr lang="en-US" b="1">
-              <a:ln w="12700">
-                <a:solidFill>
-                  <a:schemeClr val="tx2">
-                    <a:satMod val="155000"/>
-                  </a:schemeClr>
-                </a:solidFill>
-                <a:prstDash val="solid"/>
-              </a:ln>
-              <a:solidFill>
-                <a:schemeClr val="bg2">
-                  <a:tint val="85000"/>
-                  <a:satMod val="155000"/>
-                </a:schemeClr>
-              </a:solidFill>
-              <a:effectLst>
-                <a:outerShdw blurRad="41275" dist="20320" dir="1800000" algn="tl" rotWithShape="0">
-                  <a:srgbClr val="000000">
-                    <a:alpha val="40000"/>
-                  </a:srgbClr>
-                </a:outerShdw>
-              </a:effectLst>
-            </a:endParaRPr>
+            <a:r>
+              <a:rPr lang="en-US" dirty="0" err="1" smtClean="0"/>
+              <a:t>MovieLens</a:t>
+            </a:r>
+            <a:endParaRPr lang="en-US" dirty="0"/>
+          </a:p>
+        </p:txBody>
+      </p:sp>
+      <p:sp>
+        <p:nvSpPr>
+          <p:cNvPr id="38" name="Round Diagonal Corner Rectangle 37"/>
+          <p:cNvSpPr/>
+          <p:nvPr/>
+        </p:nvSpPr>
+        <p:spPr>
+          <a:xfrm>
+            <a:off x="16493806" y="24955500"/>
+            <a:ext cx="5939517" cy="3886200"/>
+          </a:xfrm>
+          <a:prstGeom prst="round2DiagRect">
+            <a:avLst/>
+          </a:prstGeom>
+        </p:spPr>
+        <p:style>
+          <a:lnRef idx="2">
+            <a:schemeClr val="accent1">
+              <a:shade val="50000"/>
+            </a:schemeClr>
+          </a:lnRef>
+          <a:fillRef idx="1">
+            <a:schemeClr val="accent1"/>
+          </a:fillRef>
+          <a:effectRef idx="0">
+            <a:schemeClr val="accent1"/>
+          </a:effectRef>
+          <a:fontRef idx="minor">
+            <a:schemeClr val="lt1"/>
+          </a:fontRef>
+        </p:style>
+        <p:txBody>
+          <a:bodyPr rtlCol="0" anchor="ctr"/>
+          <a:lstStyle/>
+          <a:p>
+            <a:pPr algn="ctr"/>
+            <a:r>
+              <a:rPr lang="en-US" dirty="0" smtClean="0"/>
+              <a:t>IMDB API</a:t>
+            </a:r>
+            <a:endParaRPr lang="en-US" dirty="0"/>
+          </a:p>
+        </p:txBody>
+      </p:sp>
+      <p:sp>
+        <p:nvSpPr>
+          <p:cNvPr id="1028" name="Right Arrow 1027"/>
+          <p:cNvSpPr/>
+          <p:nvPr/>
+        </p:nvSpPr>
+        <p:spPr>
+          <a:xfrm>
+            <a:off x="7437261" y="26168382"/>
+            <a:ext cx="1653427" cy="1567116"/>
+          </a:xfrm>
+          <a:prstGeom prst="rightArrow">
+            <a:avLst/>
+          </a:prstGeom>
+        </p:spPr>
+        <p:style>
+          <a:lnRef idx="2">
+            <a:schemeClr val="accent1">
+              <a:shade val="50000"/>
+            </a:schemeClr>
+          </a:lnRef>
+          <a:fillRef idx="1">
+            <a:schemeClr val="accent1"/>
+          </a:fillRef>
+          <a:effectRef idx="0">
+            <a:schemeClr val="accent1"/>
+          </a:effectRef>
+          <a:fontRef idx="minor">
+            <a:schemeClr val="lt1"/>
+          </a:fontRef>
+        </p:style>
+        <p:txBody>
+          <a:bodyPr rtlCol="0" anchor="ctr"/>
+          <a:lstStyle/>
+          <a:p>
+            <a:pPr algn="ctr"/>
+            <a:endParaRPr lang="en-US"/>
+          </a:p>
+        </p:txBody>
+      </p:sp>
+      <p:sp>
+        <p:nvSpPr>
+          <p:cNvPr id="40" name="Right Arrow 39"/>
+          <p:cNvSpPr/>
+          <p:nvPr/>
+        </p:nvSpPr>
+        <p:spPr>
+          <a:xfrm>
+            <a:off x="14840379" y="26115042"/>
+            <a:ext cx="1653427" cy="1567116"/>
+          </a:xfrm>
+          <a:prstGeom prst="rightArrow">
+            <a:avLst/>
+          </a:prstGeom>
+        </p:spPr>
+        <p:style>
+          <a:lnRef idx="2">
+            <a:schemeClr val="accent1">
+              <a:shade val="50000"/>
+            </a:schemeClr>
+          </a:lnRef>
+          <a:fillRef idx="1">
+            <a:schemeClr val="accent1"/>
+          </a:fillRef>
+          <a:effectRef idx="0">
+            <a:schemeClr val="accent1"/>
+          </a:effectRef>
+          <a:fontRef idx="minor">
+            <a:schemeClr val="lt1"/>
+          </a:fontRef>
+        </p:style>
+        <p:txBody>
+          <a:bodyPr rtlCol="0" anchor="ctr"/>
+          <a:lstStyle/>
+          <a:p>
+            <a:pPr algn="ctr"/>
+            <a:endParaRPr lang="en-US"/>
+          </a:p>
+        </p:txBody>
+      </p:sp>
+      <p:sp>
+        <p:nvSpPr>
+          <p:cNvPr id="41" name="Right Arrow 40"/>
+          <p:cNvSpPr/>
+          <p:nvPr/>
+        </p:nvSpPr>
+        <p:spPr>
+          <a:xfrm>
+            <a:off x="22502016" y="25919526"/>
+            <a:ext cx="1653427" cy="1567116"/>
+          </a:xfrm>
+          <a:prstGeom prst="rightArrow">
+            <a:avLst/>
+          </a:prstGeom>
+        </p:spPr>
+        <p:style>
+          <a:lnRef idx="2">
+            <a:schemeClr val="accent1">
+              <a:shade val="50000"/>
+            </a:schemeClr>
+          </a:lnRef>
+          <a:fillRef idx="1">
+            <a:schemeClr val="accent1"/>
+          </a:fillRef>
+          <a:effectRef idx="0">
+            <a:schemeClr val="accent1"/>
+          </a:effectRef>
+          <a:fontRef idx="minor">
+            <a:schemeClr val="lt1"/>
+          </a:fontRef>
+        </p:style>
+        <p:txBody>
+          <a:bodyPr rtlCol="0" anchor="ctr"/>
+          <a:lstStyle/>
+          <a:p>
+            <a:pPr algn="ctr"/>
+            <a:endParaRPr lang="en-US"/>
+          </a:p>
+        </p:txBody>
+      </p:sp>
+      <p:sp>
+        <p:nvSpPr>
+          <p:cNvPr id="1029" name="TextBox 1028"/>
+          <p:cNvSpPr txBox="1"/>
+          <p:nvPr/>
+        </p:nvSpPr>
+        <p:spPr>
+          <a:xfrm>
+            <a:off x="8263974" y="31036885"/>
+            <a:ext cx="25111626" cy="2523768"/>
+          </a:xfrm>
+          <a:prstGeom prst="rect">
+            <a:avLst/>
+          </a:prstGeom>
+          <a:noFill/>
+        </p:spPr>
+        <p:txBody>
+          <a:bodyPr wrap="square" rtlCol="0">
+            <a:spAutoFit/>
+          </a:bodyPr>
+          <a:lstStyle/>
+          <a:p>
+            <a:r>
+              <a:rPr lang="en-US" sz="7000" dirty="0" smtClean="0"/>
+              <a:t>IMDB ID:</a:t>
+            </a:r>
+            <a:r>
+              <a:rPr lang="en-US" sz="7000" dirty="0" smtClean="0"/>
+              <a:t>  tt1024648</a:t>
+            </a:r>
+          </a:p>
+          <a:p>
+            <a:endParaRPr lang="en-US" dirty="0"/>
+          </a:p>
+        </p:txBody>
+      </p:sp>
+      <p:sp>
+        <p:nvSpPr>
+          <p:cNvPr id="1030" name="TextBox 1029"/>
+          <p:cNvSpPr txBox="1"/>
+          <p:nvPr/>
+        </p:nvSpPr>
+        <p:spPr>
+          <a:xfrm>
+            <a:off x="2057399" y="29216184"/>
+            <a:ext cx="5379861" cy="3323987"/>
+          </a:xfrm>
+          <a:prstGeom prst="rect">
+            <a:avLst/>
+          </a:prstGeom>
+          <a:noFill/>
+        </p:spPr>
+        <p:txBody>
+          <a:bodyPr wrap="square" rtlCol="0">
+            <a:spAutoFit/>
+          </a:bodyPr>
+          <a:lstStyle/>
+          <a:p>
+            <a:r>
+              <a:rPr lang="en-US" sz="7000" dirty="0" smtClean="0"/>
+              <a:t>Generate</a:t>
+            </a:r>
+          </a:p>
+          <a:p>
+            <a:r>
+              <a:rPr lang="en-US" sz="7000" dirty="0" smtClean="0"/>
+              <a:t>List of IMDB IDS</a:t>
+            </a:r>
+            <a:endParaRPr lang="en-US" sz="7000" dirty="0"/>
+          </a:p>
+        </p:txBody>
+      </p:sp>
+      <p:sp>
+        <p:nvSpPr>
+          <p:cNvPr id="44" name="TextBox 43"/>
+          <p:cNvSpPr txBox="1"/>
+          <p:nvPr/>
+        </p:nvSpPr>
+        <p:spPr>
+          <a:xfrm>
+            <a:off x="17022982" y="29216184"/>
+            <a:ext cx="5379861" cy="1169551"/>
+          </a:xfrm>
+          <a:prstGeom prst="rect">
+            <a:avLst/>
+          </a:prstGeom>
+          <a:noFill/>
+        </p:spPr>
+        <p:txBody>
+          <a:bodyPr wrap="square" rtlCol="0">
+            <a:spAutoFit/>
+          </a:bodyPr>
+          <a:lstStyle/>
+          <a:p>
+            <a:r>
+              <a:rPr lang="en-US" sz="7000" dirty="0"/>
+              <a:t>E</a:t>
+            </a:r>
+            <a:r>
+              <a:rPr lang="en-US" sz="7000" dirty="0" smtClean="0"/>
+              <a:t>xtract data</a:t>
+            </a:r>
+            <a:endParaRPr lang="en-US" sz="7000" dirty="0"/>
           </a:p>
         </p:txBody>
       </p:sp>
